--- a/Project_2 Slides V1.pptx
+++ b/Project_2 Slides V1.pptx
@@ -5,10 +5,10 @@
     <p:sldMasterId id="2147483648" r:id="rId1"/>
   </p:sldMasterIdLst>
   <p:notesMasterIdLst>
-    <p:notesMasterId r:id="rId13"/>
+    <p:notesMasterId r:id="rId14"/>
   </p:notesMasterIdLst>
   <p:handoutMasterIdLst>
-    <p:handoutMasterId r:id="rId14"/>
+    <p:handoutMasterId r:id="rId15"/>
   </p:handoutMasterIdLst>
   <p:sldIdLst>
     <p:sldId id="256" r:id="rId2"/>
@@ -16,12 +16,13 @@
     <p:sldId id="293" r:id="rId4"/>
     <p:sldId id="288" r:id="rId5"/>
     <p:sldId id="291" r:id="rId6"/>
-    <p:sldId id="292" r:id="rId7"/>
-    <p:sldId id="262" r:id="rId8"/>
-    <p:sldId id="285" r:id="rId9"/>
-    <p:sldId id="294" r:id="rId10"/>
-    <p:sldId id="287" r:id="rId11"/>
-    <p:sldId id="278" r:id="rId12"/>
+    <p:sldId id="295" r:id="rId7"/>
+    <p:sldId id="292" r:id="rId8"/>
+    <p:sldId id="262" r:id="rId9"/>
+    <p:sldId id="285" r:id="rId10"/>
+    <p:sldId id="294" r:id="rId11"/>
+    <p:sldId id="287" r:id="rId12"/>
+    <p:sldId id="278" r:id="rId13"/>
   </p:sldIdLst>
   <p:sldSz cx="9144000" cy="6858000" type="screen4x3"/>
   <p:notesSz cx="6858000" cy="9144000"/>
@@ -4756,6 +4757,113 @@
       </p:grpSpPr>
       <p:sp>
         <p:nvSpPr>
+          <p:cNvPr id="5" name="Google Shape;76;p16">
+            <a:extLst>
+              <a:ext uri="{FF2B5EF4-FFF2-40B4-BE49-F238E27FC236}">
+                <a16:creationId xmlns:a16="http://schemas.microsoft.com/office/drawing/2014/main" id="{9B5DBD41-B712-9745-91A3-A7806F9F3569}"/>
+              </a:ext>
+            </a:extLst>
+          </p:cNvPr>
+          <p:cNvSpPr txBox="1">
+            <a:spLocks noGrp="1"/>
+          </p:cNvSpPr>
+          <p:nvPr>
+            <p:ph type="title"/>
+          </p:nvPr>
+        </p:nvSpPr>
+        <p:spPr>
+          <a:xfrm>
+            <a:off x="445306" y="137493"/>
+            <a:ext cx="8520600" cy="623400"/>
+          </a:xfrm>
+          <a:prstGeom prst="rect">
+            <a:avLst/>
+          </a:prstGeom>
+        </p:spPr>
+        <p:txBody>
+          <a:bodyPr spcFirstLastPara="1" wrap="square" lIns="91425" tIns="91425" rIns="91425" bIns="91425" anchor="t" anchorCtr="0">
+            <a:noAutofit/>
+          </a:bodyPr>
+          <a:lstStyle/>
+          <a:p>
+            <a:pPr marL="0" lvl="0" indent="0" algn="ctr" rtl="0">
+              <a:spcBef>
+                <a:spcPts val="0"/>
+              </a:spcBef>
+              <a:spcAft>
+                <a:spcPts val="0"/>
+              </a:spcAft>
+              <a:buNone/>
+            </a:pPr>
+            <a:r>
+              <a:rPr lang="en-US" sz="2800" b="1" dirty="0"/>
+              <a:t>Visual 3</a:t>
+            </a:r>
+            <a:endParaRPr sz="2800" b="1" dirty="0"/>
+          </a:p>
+        </p:txBody>
+      </p:sp>
+      <p:pic>
+        <p:nvPicPr>
+          <p:cNvPr id="4" name="Picture 3">
+            <a:extLst>
+              <a:ext uri="{FF2B5EF4-FFF2-40B4-BE49-F238E27FC236}">
+                <a16:creationId xmlns:a16="http://schemas.microsoft.com/office/drawing/2014/main" id="{6C5048BC-21E4-4A65-AE4E-BD0E0187A6A6}"/>
+              </a:ext>
+            </a:extLst>
+          </p:cNvPr>
+          <p:cNvPicPr>
+            <a:picLocks noChangeAspect="1"/>
+          </p:cNvPicPr>
+          <p:nvPr/>
+        </p:nvPicPr>
+        <p:blipFill rotWithShape="1">
+          <a:blip r:embed="rId2"/>
+          <a:srcRect b="81578"/>
+          <a:stretch/>
+        </p:blipFill>
+        <p:spPr>
+          <a:xfrm>
+            <a:off x="101600" y="6531054"/>
+            <a:ext cx="3549904" cy="331028"/>
+          </a:xfrm>
+          <a:prstGeom prst="rect">
+            <a:avLst/>
+          </a:prstGeom>
+        </p:spPr>
+      </p:pic>
+    </p:spTree>
+    <p:extLst>
+      <p:ext uri="{BB962C8B-B14F-4D97-AF65-F5344CB8AC3E}">
+        <p14:creationId xmlns:p14="http://schemas.microsoft.com/office/powerpoint/2010/main" val="573424532"/>
+      </p:ext>
+    </p:extLst>
+  </p:cSld>
+  <p:clrMapOvr>
+    <a:masterClrMapping/>
+  </p:clrMapOvr>
+</p:sld>
+</file>
+
+<file path=ppt/slides/slide11.xml><?xml version="1.0" encoding="utf-8"?>
+<p:sld xmlns:a="http://schemas.openxmlformats.org/drawingml/2006/main" xmlns:r="http://schemas.openxmlformats.org/officeDocument/2006/relationships" xmlns:p="http://schemas.openxmlformats.org/presentationml/2006/main">
+  <p:cSld>
+    <p:spTree>
+      <p:nvGrpSpPr>
+        <p:cNvPr id="1" name=""/>
+        <p:cNvGrpSpPr/>
+        <p:nvPr/>
+      </p:nvGrpSpPr>
+      <p:grpSpPr>
+        <a:xfrm>
+          <a:off x="0" y="0"/>
+          <a:ext cx="0" cy="0"/>
+          <a:chOff x="0" y="0"/>
+          <a:chExt cx="0" cy="0"/>
+        </a:xfrm>
+      </p:grpSpPr>
+      <p:sp>
+        <p:nvSpPr>
           <p:cNvPr id="4" name="Google Shape;76;p16">
             <a:extLst>
               <a:ext uri="{FF2B5EF4-FFF2-40B4-BE49-F238E27FC236}">
@@ -5419,7 +5527,7 @@
 </p:sld>
 </file>
 
-<file path=ppt/slides/slide11.xml><?xml version="1.0" encoding="utf-8"?>
+<file path=ppt/slides/slide12.xml><?xml version="1.0" encoding="utf-8"?>
 <p:sld xmlns:a="http://schemas.openxmlformats.org/drawingml/2006/main" xmlns:r="http://schemas.openxmlformats.org/officeDocument/2006/relationships" xmlns:p="http://schemas.openxmlformats.org/presentationml/2006/main">
   <p:cSld>
     <p:spTree>
@@ -10422,6 +10530,3161 @@
                   <a:schemeClr val="bg1"/>
                 </a:solidFill>
               </a:rPr>
+              <a:t>HTML Code</a:t>
+            </a:r>
+            <a:endParaRPr kumimoji="0" lang="en-US" sz="3000" b="1" i="0" u="none" strike="noStrike" kern="0" cap="none" spc="0" normalizeH="0" baseline="0" noProof="0" dirty="0">
+              <a:ln>
+                <a:noFill/>
+              </a:ln>
+              <a:solidFill>
+                <a:schemeClr val="bg1"/>
+              </a:solidFill>
+              <a:effectLst/>
+              <a:uLnTx/>
+              <a:uFillTx/>
+              <a:latin typeface="Raleway"/>
+              <a:sym typeface="Raleway"/>
+            </a:endParaRPr>
+          </a:p>
+        </p:txBody>
+      </p:sp>
+      <p:sp>
+        <p:nvSpPr>
+          <p:cNvPr id="8" name="TextBox 7">
+            <a:extLst>
+              <a:ext uri="{FF2B5EF4-FFF2-40B4-BE49-F238E27FC236}">
+                <a16:creationId xmlns:a16="http://schemas.microsoft.com/office/drawing/2014/main" id="{00BEB6D0-F980-408E-A069-333180C4DBD8}"/>
+              </a:ext>
+            </a:extLst>
+          </p:cNvPr>
+          <p:cNvSpPr txBox="1"/>
+          <p:nvPr/>
+        </p:nvSpPr>
+        <p:spPr>
+          <a:xfrm>
+            <a:off x="208068" y="1068425"/>
+            <a:ext cx="4187148" cy="4708981"/>
+          </a:xfrm>
+          <a:prstGeom prst="rect">
+            <a:avLst/>
+          </a:prstGeom>
+          <a:noFill/>
+        </p:spPr>
+        <p:txBody>
+          <a:bodyPr wrap="square" rtlCol="0">
+            <a:spAutoFit/>
+          </a:bodyPr>
+          <a:lstStyle/>
+          <a:p>
+            <a:r>
+              <a:rPr lang="en-US" sz="1000" dirty="0">
+                <a:solidFill>
+                  <a:srgbClr val="808080"/>
+                </a:solidFill>
+                <a:latin typeface="Consolas" panose="020B0609020204030204" pitchFamily="49" charset="0"/>
+              </a:rPr>
+              <a:t>&lt;!</a:t>
+            </a:r>
+            <a:r>
+              <a:rPr lang="en-US" sz="1000" dirty="0">
+                <a:solidFill>
+                  <a:srgbClr val="569CD6"/>
+                </a:solidFill>
+                <a:latin typeface="Consolas" panose="020B0609020204030204" pitchFamily="49" charset="0"/>
+              </a:rPr>
+              <a:t>DOCTYPE</a:t>
+            </a:r>
+            <a:r>
+              <a:rPr lang="en-US" sz="1000" dirty="0">
+                <a:solidFill>
+                  <a:srgbClr val="D4D4D4"/>
+                </a:solidFill>
+                <a:latin typeface="Consolas" panose="020B0609020204030204" pitchFamily="49" charset="0"/>
+              </a:rPr>
+              <a:t> </a:t>
+            </a:r>
+            <a:r>
+              <a:rPr lang="en-US" sz="1000" dirty="0">
+                <a:solidFill>
+                  <a:srgbClr val="9CDCFE"/>
+                </a:solidFill>
+                <a:latin typeface="Consolas" panose="020B0609020204030204" pitchFamily="49" charset="0"/>
+              </a:rPr>
+              <a:t>html</a:t>
+            </a:r>
+            <a:r>
+              <a:rPr lang="en-US" sz="1000" dirty="0">
+                <a:solidFill>
+                  <a:srgbClr val="808080"/>
+                </a:solidFill>
+                <a:latin typeface="Consolas" panose="020B0609020204030204" pitchFamily="49" charset="0"/>
+              </a:rPr>
+              <a:t>&gt;</a:t>
+            </a:r>
+            <a:endParaRPr lang="en-US" sz="1000" dirty="0">
+              <a:solidFill>
+                <a:srgbClr val="D4D4D4"/>
+              </a:solidFill>
+              <a:latin typeface="Consolas" panose="020B0609020204030204" pitchFamily="49" charset="0"/>
+            </a:endParaRPr>
+          </a:p>
+          <a:p>
+            <a:r>
+              <a:rPr lang="en-US" sz="1000" dirty="0">
+                <a:solidFill>
+                  <a:srgbClr val="808080"/>
+                </a:solidFill>
+                <a:latin typeface="Consolas" panose="020B0609020204030204" pitchFamily="49" charset="0"/>
+              </a:rPr>
+              <a:t>&lt;</a:t>
+            </a:r>
+            <a:r>
+              <a:rPr lang="en-US" sz="1000" dirty="0">
+                <a:solidFill>
+                  <a:srgbClr val="569CD6"/>
+                </a:solidFill>
+                <a:latin typeface="Consolas" panose="020B0609020204030204" pitchFamily="49" charset="0"/>
+              </a:rPr>
+              <a:t>meta</a:t>
+            </a:r>
+            <a:r>
+              <a:rPr lang="en-US" sz="1000" dirty="0">
+                <a:solidFill>
+                  <a:srgbClr val="D4D4D4"/>
+                </a:solidFill>
+                <a:latin typeface="Consolas" panose="020B0609020204030204" pitchFamily="49" charset="0"/>
+              </a:rPr>
+              <a:t> </a:t>
+            </a:r>
+            <a:r>
+              <a:rPr lang="en-US" sz="1000" dirty="0">
+                <a:solidFill>
+                  <a:srgbClr val="9CDCFE"/>
+                </a:solidFill>
+                <a:latin typeface="Consolas" panose="020B0609020204030204" pitchFamily="49" charset="0"/>
+              </a:rPr>
+              <a:t>charset</a:t>
+            </a:r>
+            <a:r>
+              <a:rPr lang="en-US" sz="1000" dirty="0">
+                <a:solidFill>
+                  <a:srgbClr val="D4D4D4"/>
+                </a:solidFill>
+                <a:latin typeface="Consolas" panose="020B0609020204030204" pitchFamily="49" charset="0"/>
+              </a:rPr>
+              <a:t>=</a:t>
+            </a:r>
+            <a:r>
+              <a:rPr lang="en-US" sz="1000" dirty="0">
+                <a:solidFill>
+                  <a:srgbClr val="CE9178"/>
+                </a:solidFill>
+                <a:latin typeface="Consolas" panose="020B0609020204030204" pitchFamily="49" charset="0"/>
+              </a:rPr>
+              <a:t>"utf-8"</a:t>
+            </a:r>
+            <a:r>
+              <a:rPr lang="en-US" sz="1000" dirty="0">
+                <a:solidFill>
+                  <a:srgbClr val="808080"/>
+                </a:solidFill>
+                <a:latin typeface="Consolas" panose="020B0609020204030204" pitchFamily="49" charset="0"/>
+              </a:rPr>
+              <a:t>&gt;</a:t>
+            </a:r>
+            <a:endParaRPr lang="en-US" sz="1000" dirty="0">
+              <a:solidFill>
+                <a:srgbClr val="D4D4D4"/>
+              </a:solidFill>
+              <a:latin typeface="Consolas" panose="020B0609020204030204" pitchFamily="49" charset="0"/>
+            </a:endParaRPr>
+          </a:p>
+          <a:p>
+            <a:r>
+              <a:rPr lang="en-US" sz="1000" dirty="0">
+                <a:solidFill>
+                  <a:srgbClr val="808080"/>
+                </a:solidFill>
+                <a:latin typeface="Consolas" panose="020B0609020204030204" pitchFamily="49" charset="0"/>
+              </a:rPr>
+              <a:t>&lt;</a:t>
+            </a:r>
+            <a:r>
+              <a:rPr lang="en-US" sz="1000" dirty="0">
+                <a:solidFill>
+                  <a:srgbClr val="569CD6"/>
+                </a:solidFill>
+                <a:latin typeface="Consolas" panose="020B0609020204030204" pitchFamily="49" charset="0"/>
+              </a:rPr>
+              <a:t>style</a:t>
+            </a:r>
+            <a:r>
+              <a:rPr lang="en-US" sz="1000" dirty="0">
+                <a:solidFill>
+                  <a:srgbClr val="808080"/>
+                </a:solidFill>
+                <a:latin typeface="Consolas" panose="020B0609020204030204" pitchFamily="49" charset="0"/>
+              </a:rPr>
+              <a:t>&gt;</a:t>
+            </a:r>
+            <a:r>
+              <a:rPr lang="en-US" sz="1000" dirty="0">
+                <a:solidFill>
+                  <a:srgbClr val="D4D4D4"/>
+                </a:solidFill>
+                <a:latin typeface="Consolas" panose="020B0609020204030204" pitchFamily="49" charset="0"/>
+              </a:rPr>
+              <a:t> </a:t>
+            </a:r>
+            <a:r>
+              <a:rPr lang="en-US" sz="1000" dirty="0">
+                <a:solidFill>
+                  <a:srgbClr val="6A9955"/>
+                </a:solidFill>
+                <a:latin typeface="Consolas" panose="020B0609020204030204" pitchFamily="49" charset="0"/>
+              </a:rPr>
+              <a:t>/* set the CSS */</a:t>
+            </a:r>
+            <a:endParaRPr lang="en-US" sz="1000" dirty="0">
+              <a:solidFill>
+                <a:srgbClr val="D4D4D4"/>
+              </a:solidFill>
+              <a:latin typeface="Consolas" panose="020B0609020204030204" pitchFamily="49" charset="0"/>
+            </a:endParaRPr>
+          </a:p>
+          <a:p>
+            <a:r>
+              <a:rPr lang="en-US" sz="1000" dirty="0">
+                <a:solidFill>
+                  <a:srgbClr val="D7BA7D"/>
+                </a:solidFill>
+                <a:latin typeface="Consolas" panose="020B0609020204030204" pitchFamily="49" charset="0"/>
+              </a:rPr>
+              <a:t>.bar</a:t>
+            </a:r>
+            <a:r>
+              <a:rPr lang="en-US" sz="1000" dirty="0">
+                <a:solidFill>
+                  <a:srgbClr val="D4D4D4"/>
+                </a:solidFill>
+                <a:latin typeface="Consolas" panose="020B0609020204030204" pitchFamily="49" charset="0"/>
+              </a:rPr>
+              <a:t> { </a:t>
+            </a:r>
+            <a:r>
+              <a:rPr lang="en-US" sz="1000" dirty="0">
+                <a:solidFill>
+                  <a:srgbClr val="9CDCFE"/>
+                </a:solidFill>
+                <a:latin typeface="Consolas" panose="020B0609020204030204" pitchFamily="49" charset="0"/>
+              </a:rPr>
+              <a:t>fill</a:t>
+            </a:r>
+            <a:r>
+              <a:rPr lang="en-US" sz="1000" dirty="0">
+                <a:solidFill>
+                  <a:srgbClr val="D4D4D4"/>
+                </a:solidFill>
+                <a:latin typeface="Consolas" panose="020B0609020204030204" pitchFamily="49" charset="0"/>
+              </a:rPr>
+              <a:t>: </a:t>
+            </a:r>
+            <a:r>
+              <a:rPr lang="en-US" sz="1000" dirty="0" err="1">
+                <a:solidFill>
+                  <a:srgbClr val="D4D4D4"/>
+                </a:solidFill>
+                <a:latin typeface="Consolas" panose="020B0609020204030204" pitchFamily="49" charset="0"/>
+              </a:rPr>
+              <a:t>steelblue</a:t>
+            </a:r>
+            <a:r>
+              <a:rPr lang="en-US" sz="1000" dirty="0">
+                <a:solidFill>
+                  <a:srgbClr val="D4D4D4"/>
+                </a:solidFill>
+                <a:latin typeface="Consolas" panose="020B0609020204030204" pitchFamily="49" charset="0"/>
+              </a:rPr>
+              <a:t>; }</a:t>
+            </a:r>
+          </a:p>
+          <a:p>
+            <a:r>
+              <a:rPr lang="en-US" sz="1000" dirty="0">
+                <a:solidFill>
+                  <a:srgbClr val="808080"/>
+                </a:solidFill>
+                <a:latin typeface="Consolas" panose="020B0609020204030204" pitchFamily="49" charset="0"/>
+              </a:rPr>
+              <a:t>&lt;/</a:t>
+            </a:r>
+            <a:r>
+              <a:rPr lang="en-US" sz="1000" dirty="0">
+                <a:solidFill>
+                  <a:srgbClr val="569CD6"/>
+                </a:solidFill>
+                <a:latin typeface="Consolas" panose="020B0609020204030204" pitchFamily="49" charset="0"/>
+              </a:rPr>
+              <a:t>style</a:t>
+            </a:r>
+            <a:r>
+              <a:rPr lang="en-US" sz="1000" dirty="0">
+                <a:solidFill>
+                  <a:srgbClr val="808080"/>
+                </a:solidFill>
+                <a:latin typeface="Consolas" panose="020B0609020204030204" pitchFamily="49" charset="0"/>
+              </a:rPr>
+              <a:t>&gt;</a:t>
+            </a:r>
+            <a:endParaRPr lang="en-US" sz="1000" dirty="0">
+              <a:solidFill>
+                <a:srgbClr val="D4D4D4"/>
+              </a:solidFill>
+              <a:latin typeface="Consolas" panose="020B0609020204030204" pitchFamily="49" charset="0"/>
+            </a:endParaRPr>
+          </a:p>
+          <a:p>
+            <a:r>
+              <a:rPr lang="en-US" sz="1000" dirty="0">
+                <a:solidFill>
+                  <a:srgbClr val="808080"/>
+                </a:solidFill>
+                <a:latin typeface="Consolas" panose="020B0609020204030204" pitchFamily="49" charset="0"/>
+              </a:rPr>
+              <a:t>&lt;</a:t>
+            </a:r>
+            <a:r>
+              <a:rPr lang="en-US" sz="1000" dirty="0">
+                <a:solidFill>
+                  <a:srgbClr val="569CD6"/>
+                </a:solidFill>
+                <a:latin typeface="Consolas" panose="020B0609020204030204" pitchFamily="49" charset="0"/>
+              </a:rPr>
+              <a:t>body</a:t>
+            </a:r>
+            <a:r>
+              <a:rPr lang="en-US" sz="1000" dirty="0">
+                <a:solidFill>
+                  <a:srgbClr val="808080"/>
+                </a:solidFill>
+                <a:latin typeface="Consolas" panose="020B0609020204030204" pitchFamily="49" charset="0"/>
+              </a:rPr>
+              <a:t>&gt;</a:t>
+            </a:r>
+            <a:endParaRPr lang="en-US" sz="1000" dirty="0">
+              <a:solidFill>
+                <a:srgbClr val="D4D4D4"/>
+              </a:solidFill>
+              <a:latin typeface="Consolas" panose="020B0609020204030204" pitchFamily="49" charset="0"/>
+            </a:endParaRPr>
+          </a:p>
+          <a:p>
+            <a:r>
+              <a:rPr lang="en-US" sz="1000" dirty="0">
+                <a:solidFill>
+                  <a:srgbClr val="D4D4D4"/>
+                </a:solidFill>
+                <a:latin typeface="Consolas" panose="020B0609020204030204" pitchFamily="49" charset="0"/>
+              </a:rPr>
+              <a:t>    </a:t>
+            </a:r>
+          </a:p>
+          <a:p>
+            <a:r>
+              <a:rPr lang="en-US" sz="1000" dirty="0">
+                <a:solidFill>
+                  <a:srgbClr val="6A9955"/>
+                </a:solidFill>
+                <a:latin typeface="Consolas" panose="020B0609020204030204" pitchFamily="49" charset="0"/>
+              </a:rPr>
+              <a:t>&lt;!-- load the d3.js library --&gt;</a:t>
+            </a:r>
+            <a:r>
+              <a:rPr lang="en-US" sz="1000" dirty="0">
+                <a:solidFill>
+                  <a:srgbClr val="D4D4D4"/>
+                </a:solidFill>
+                <a:latin typeface="Consolas" panose="020B0609020204030204" pitchFamily="49" charset="0"/>
+              </a:rPr>
+              <a:t>        </a:t>
+            </a:r>
+          </a:p>
+          <a:p>
+            <a:r>
+              <a:rPr lang="en-US" sz="1000" dirty="0">
+                <a:solidFill>
+                  <a:srgbClr val="808080"/>
+                </a:solidFill>
+                <a:latin typeface="Consolas" panose="020B0609020204030204" pitchFamily="49" charset="0"/>
+              </a:rPr>
+              <a:t>&lt;</a:t>
+            </a:r>
+            <a:r>
+              <a:rPr lang="en-US" sz="1000" dirty="0">
+                <a:solidFill>
+                  <a:srgbClr val="569CD6"/>
+                </a:solidFill>
+                <a:latin typeface="Consolas" panose="020B0609020204030204" pitchFamily="49" charset="0"/>
+              </a:rPr>
+              <a:t>script</a:t>
+            </a:r>
+            <a:r>
+              <a:rPr lang="en-US" sz="1000" dirty="0">
+                <a:solidFill>
+                  <a:srgbClr val="D4D4D4"/>
+                </a:solidFill>
+                <a:latin typeface="Consolas" panose="020B0609020204030204" pitchFamily="49" charset="0"/>
+              </a:rPr>
+              <a:t> </a:t>
+            </a:r>
+            <a:r>
+              <a:rPr lang="en-US" sz="1000" dirty="0" err="1">
+                <a:solidFill>
+                  <a:srgbClr val="9CDCFE"/>
+                </a:solidFill>
+                <a:latin typeface="Consolas" panose="020B0609020204030204" pitchFamily="49" charset="0"/>
+              </a:rPr>
+              <a:t>src</a:t>
+            </a:r>
+            <a:r>
+              <a:rPr lang="en-US" sz="1000" dirty="0">
+                <a:solidFill>
+                  <a:srgbClr val="D4D4D4"/>
+                </a:solidFill>
+                <a:latin typeface="Consolas" panose="020B0609020204030204" pitchFamily="49" charset="0"/>
+              </a:rPr>
+              <a:t>=</a:t>
+            </a:r>
+            <a:r>
+              <a:rPr lang="en-US" sz="1000" dirty="0">
+                <a:solidFill>
+                  <a:srgbClr val="CE9178"/>
+                </a:solidFill>
+                <a:latin typeface="Consolas" panose="020B0609020204030204" pitchFamily="49" charset="0"/>
+              </a:rPr>
+              <a:t>"//d3js.org/d3.v4.min.js"</a:t>
+            </a:r>
+            <a:r>
+              <a:rPr lang="en-US" sz="1000" dirty="0">
+                <a:solidFill>
+                  <a:srgbClr val="808080"/>
+                </a:solidFill>
+                <a:latin typeface="Consolas" panose="020B0609020204030204" pitchFamily="49" charset="0"/>
+              </a:rPr>
+              <a:t>&gt;&lt;/</a:t>
+            </a:r>
+            <a:r>
+              <a:rPr lang="en-US" sz="1000" dirty="0">
+                <a:solidFill>
+                  <a:srgbClr val="569CD6"/>
+                </a:solidFill>
+                <a:latin typeface="Consolas" panose="020B0609020204030204" pitchFamily="49" charset="0"/>
+              </a:rPr>
+              <a:t>script</a:t>
+            </a:r>
+            <a:r>
+              <a:rPr lang="en-US" sz="1000" dirty="0">
+                <a:solidFill>
+                  <a:srgbClr val="808080"/>
+                </a:solidFill>
+                <a:latin typeface="Consolas" panose="020B0609020204030204" pitchFamily="49" charset="0"/>
+              </a:rPr>
+              <a:t>&gt;</a:t>
+            </a:r>
+            <a:endParaRPr lang="en-US" sz="1000" dirty="0">
+              <a:solidFill>
+                <a:srgbClr val="D4D4D4"/>
+              </a:solidFill>
+              <a:latin typeface="Consolas" panose="020B0609020204030204" pitchFamily="49" charset="0"/>
+            </a:endParaRPr>
+          </a:p>
+          <a:p>
+            <a:r>
+              <a:rPr lang="en-US" sz="1000" dirty="0">
+                <a:solidFill>
+                  <a:srgbClr val="808080"/>
+                </a:solidFill>
+                <a:latin typeface="Consolas" panose="020B0609020204030204" pitchFamily="49" charset="0"/>
+              </a:rPr>
+              <a:t>&lt;</a:t>
+            </a:r>
+            <a:r>
+              <a:rPr lang="en-US" sz="1000" dirty="0">
+                <a:solidFill>
+                  <a:srgbClr val="569CD6"/>
+                </a:solidFill>
+                <a:latin typeface="Consolas" panose="020B0609020204030204" pitchFamily="49" charset="0"/>
+              </a:rPr>
+              <a:t>script</a:t>
+            </a:r>
+            <a:r>
+              <a:rPr lang="en-US" sz="1000" dirty="0">
+                <a:solidFill>
+                  <a:srgbClr val="808080"/>
+                </a:solidFill>
+                <a:latin typeface="Consolas" panose="020B0609020204030204" pitchFamily="49" charset="0"/>
+              </a:rPr>
+              <a:t>&gt;</a:t>
+            </a:r>
+            <a:endParaRPr lang="en-US" sz="1000" dirty="0">
+              <a:solidFill>
+                <a:srgbClr val="D4D4D4"/>
+              </a:solidFill>
+              <a:latin typeface="Consolas" panose="020B0609020204030204" pitchFamily="49" charset="0"/>
+            </a:endParaRPr>
+          </a:p>
+          <a:p>
+            <a:r>
+              <a:rPr lang="en-US" sz="1000" dirty="0">
+                <a:solidFill>
+                  <a:srgbClr val="6A9955"/>
+                </a:solidFill>
+                <a:latin typeface="Consolas" panose="020B0609020204030204" pitchFamily="49" charset="0"/>
+              </a:rPr>
+              <a:t>// set the dimensions and margins of the graph</a:t>
+            </a:r>
+            <a:endParaRPr lang="en-US" sz="1000" dirty="0">
+              <a:solidFill>
+                <a:srgbClr val="D4D4D4"/>
+              </a:solidFill>
+              <a:latin typeface="Consolas" panose="020B0609020204030204" pitchFamily="49" charset="0"/>
+            </a:endParaRPr>
+          </a:p>
+          <a:p>
+            <a:r>
+              <a:rPr lang="en-US" sz="1000" dirty="0">
+                <a:solidFill>
+                  <a:srgbClr val="569CD6"/>
+                </a:solidFill>
+                <a:latin typeface="Consolas" panose="020B0609020204030204" pitchFamily="49" charset="0"/>
+              </a:rPr>
+              <a:t>var</a:t>
+            </a:r>
+            <a:r>
+              <a:rPr lang="en-US" sz="1000" dirty="0">
+                <a:solidFill>
+                  <a:srgbClr val="D4D4D4"/>
+                </a:solidFill>
+                <a:latin typeface="Consolas" panose="020B0609020204030204" pitchFamily="49" charset="0"/>
+              </a:rPr>
+              <a:t> margin = {top: </a:t>
+            </a:r>
+            <a:r>
+              <a:rPr lang="en-US" sz="1000" dirty="0">
+                <a:solidFill>
+                  <a:srgbClr val="B5CEA8"/>
+                </a:solidFill>
+                <a:latin typeface="Consolas" panose="020B0609020204030204" pitchFamily="49" charset="0"/>
+              </a:rPr>
+              <a:t>20</a:t>
+            </a:r>
+            <a:r>
+              <a:rPr lang="en-US" sz="1000" dirty="0">
+                <a:solidFill>
+                  <a:srgbClr val="D4D4D4"/>
+                </a:solidFill>
+                <a:latin typeface="Consolas" panose="020B0609020204030204" pitchFamily="49" charset="0"/>
+              </a:rPr>
+              <a:t>, right: </a:t>
+            </a:r>
+            <a:r>
+              <a:rPr lang="en-US" sz="1000" dirty="0">
+                <a:solidFill>
+                  <a:srgbClr val="B5CEA8"/>
+                </a:solidFill>
+                <a:latin typeface="Consolas" panose="020B0609020204030204" pitchFamily="49" charset="0"/>
+              </a:rPr>
+              <a:t>20</a:t>
+            </a:r>
+            <a:r>
+              <a:rPr lang="en-US" sz="1000" dirty="0">
+                <a:solidFill>
+                  <a:srgbClr val="D4D4D4"/>
+                </a:solidFill>
+                <a:latin typeface="Consolas" panose="020B0609020204030204" pitchFamily="49" charset="0"/>
+              </a:rPr>
+              <a:t>, bottom: </a:t>
+            </a:r>
+            <a:r>
+              <a:rPr lang="en-US" sz="1000" dirty="0">
+                <a:solidFill>
+                  <a:srgbClr val="B5CEA8"/>
+                </a:solidFill>
+                <a:latin typeface="Consolas" panose="020B0609020204030204" pitchFamily="49" charset="0"/>
+              </a:rPr>
+              <a:t>30</a:t>
+            </a:r>
+            <a:r>
+              <a:rPr lang="en-US" sz="1000" dirty="0">
+                <a:solidFill>
+                  <a:srgbClr val="D4D4D4"/>
+                </a:solidFill>
+                <a:latin typeface="Consolas" panose="020B0609020204030204" pitchFamily="49" charset="0"/>
+              </a:rPr>
+              <a:t>, left: </a:t>
+            </a:r>
+            <a:r>
+              <a:rPr lang="en-US" sz="1000" dirty="0">
+                <a:solidFill>
+                  <a:srgbClr val="B5CEA8"/>
+                </a:solidFill>
+                <a:latin typeface="Consolas" panose="020B0609020204030204" pitchFamily="49" charset="0"/>
+              </a:rPr>
+              <a:t>40</a:t>
+            </a:r>
+            <a:r>
+              <a:rPr lang="en-US" sz="1000" dirty="0">
+                <a:solidFill>
+                  <a:srgbClr val="D4D4D4"/>
+                </a:solidFill>
+                <a:latin typeface="Consolas" panose="020B0609020204030204" pitchFamily="49" charset="0"/>
+              </a:rPr>
+              <a:t>},</a:t>
+            </a:r>
+          </a:p>
+          <a:p>
+            <a:r>
+              <a:rPr lang="en-US" sz="1000" dirty="0">
+                <a:solidFill>
+                  <a:srgbClr val="D4D4D4"/>
+                </a:solidFill>
+                <a:latin typeface="Consolas" panose="020B0609020204030204" pitchFamily="49" charset="0"/>
+              </a:rPr>
+              <a:t>   width = </a:t>
+            </a:r>
+            <a:r>
+              <a:rPr lang="en-US" sz="1000" dirty="0">
+                <a:solidFill>
+                  <a:srgbClr val="B5CEA8"/>
+                </a:solidFill>
+                <a:latin typeface="Consolas" panose="020B0609020204030204" pitchFamily="49" charset="0"/>
+              </a:rPr>
+              <a:t>960</a:t>
+            </a:r>
+            <a:r>
+              <a:rPr lang="en-US" sz="1000" dirty="0">
+                <a:solidFill>
+                  <a:srgbClr val="D4D4D4"/>
+                </a:solidFill>
+                <a:latin typeface="Consolas" panose="020B0609020204030204" pitchFamily="49" charset="0"/>
+              </a:rPr>
+              <a:t> - </a:t>
+            </a:r>
+            <a:r>
+              <a:rPr lang="en-US" sz="1000" dirty="0" err="1">
+                <a:solidFill>
+                  <a:srgbClr val="D4D4D4"/>
+                </a:solidFill>
+                <a:latin typeface="Consolas" panose="020B0609020204030204" pitchFamily="49" charset="0"/>
+              </a:rPr>
+              <a:t>margin.left</a:t>
+            </a:r>
+            <a:r>
+              <a:rPr lang="en-US" sz="1000" dirty="0">
+                <a:solidFill>
+                  <a:srgbClr val="D4D4D4"/>
+                </a:solidFill>
+                <a:latin typeface="Consolas" panose="020B0609020204030204" pitchFamily="49" charset="0"/>
+              </a:rPr>
+              <a:t> - </a:t>
+            </a:r>
+            <a:r>
+              <a:rPr lang="en-US" sz="1000" dirty="0" err="1">
+                <a:solidFill>
+                  <a:srgbClr val="D4D4D4"/>
+                </a:solidFill>
+                <a:latin typeface="Consolas" panose="020B0609020204030204" pitchFamily="49" charset="0"/>
+              </a:rPr>
+              <a:t>margin.right</a:t>
+            </a:r>
+            <a:r>
+              <a:rPr lang="en-US" sz="1000" dirty="0">
+                <a:solidFill>
+                  <a:srgbClr val="D4D4D4"/>
+                </a:solidFill>
+                <a:latin typeface="Consolas" panose="020B0609020204030204" pitchFamily="49" charset="0"/>
+              </a:rPr>
+              <a:t>,</a:t>
+            </a:r>
+          </a:p>
+          <a:p>
+            <a:r>
+              <a:rPr lang="en-US" sz="1000" dirty="0">
+                <a:solidFill>
+                  <a:srgbClr val="D4D4D4"/>
+                </a:solidFill>
+                <a:latin typeface="Consolas" panose="020B0609020204030204" pitchFamily="49" charset="0"/>
+              </a:rPr>
+              <a:t>   height = </a:t>
+            </a:r>
+            <a:r>
+              <a:rPr lang="en-US" sz="1000" dirty="0">
+                <a:solidFill>
+                  <a:srgbClr val="B5CEA8"/>
+                </a:solidFill>
+                <a:latin typeface="Consolas" panose="020B0609020204030204" pitchFamily="49" charset="0"/>
+              </a:rPr>
+              <a:t>500</a:t>
+            </a:r>
+            <a:r>
+              <a:rPr lang="en-US" sz="1000" dirty="0">
+                <a:solidFill>
+                  <a:srgbClr val="D4D4D4"/>
+                </a:solidFill>
+                <a:latin typeface="Consolas" panose="020B0609020204030204" pitchFamily="49" charset="0"/>
+              </a:rPr>
+              <a:t> - </a:t>
+            </a:r>
+            <a:r>
+              <a:rPr lang="en-US" sz="1000" dirty="0" err="1">
+                <a:solidFill>
+                  <a:srgbClr val="D4D4D4"/>
+                </a:solidFill>
+                <a:latin typeface="Consolas" panose="020B0609020204030204" pitchFamily="49" charset="0"/>
+              </a:rPr>
+              <a:t>margin.top</a:t>
+            </a:r>
+            <a:r>
+              <a:rPr lang="en-US" sz="1000" dirty="0">
+                <a:solidFill>
+                  <a:srgbClr val="D4D4D4"/>
+                </a:solidFill>
+                <a:latin typeface="Consolas" panose="020B0609020204030204" pitchFamily="49" charset="0"/>
+              </a:rPr>
+              <a:t> - </a:t>
+            </a:r>
+            <a:r>
+              <a:rPr lang="en-US" sz="1000" dirty="0" err="1">
+                <a:solidFill>
+                  <a:srgbClr val="D4D4D4"/>
+                </a:solidFill>
+                <a:latin typeface="Consolas" panose="020B0609020204030204" pitchFamily="49" charset="0"/>
+              </a:rPr>
+              <a:t>margin.bottom</a:t>
+            </a:r>
+            <a:r>
+              <a:rPr lang="en-US" sz="1000" dirty="0">
+                <a:solidFill>
+                  <a:srgbClr val="D4D4D4"/>
+                </a:solidFill>
+                <a:latin typeface="Consolas" panose="020B0609020204030204" pitchFamily="49" charset="0"/>
+              </a:rPr>
+              <a:t>;</a:t>
+            </a:r>
+          </a:p>
+          <a:p>
+            <a:r>
+              <a:rPr lang="en-US" sz="1000" dirty="0">
+                <a:solidFill>
+                  <a:srgbClr val="6A9955"/>
+                </a:solidFill>
+                <a:latin typeface="Consolas" panose="020B0609020204030204" pitchFamily="49" charset="0"/>
+              </a:rPr>
+              <a:t>// set the ranges</a:t>
+            </a:r>
+            <a:endParaRPr lang="en-US" sz="1000" dirty="0">
+              <a:solidFill>
+                <a:srgbClr val="D4D4D4"/>
+              </a:solidFill>
+              <a:latin typeface="Consolas" panose="020B0609020204030204" pitchFamily="49" charset="0"/>
+            </a:endParaRPr>
+          </a:p>
+          <a:p>
+            <a:r>
+              <a:rPr lang="en-US" sz="1000" dirty="0">
+                <a:solidFill>
+                  <a:srgbClr val="569CD6"/>
+                </a:solidFill>
+                <a:latin typeface="Consolas" panose="020B0609020204030204" pitchFamily="49" charset="0"/>
+              </a:rPr>
+              <a:t>var</a:t>
+            </a:r>
+            <a:r>
+              <a:rPr lang="en-US" sz="1000" dirty="0">
+                <a:solidFill>
+                  <a:srgbClr val="D4D4D4"/>
+                </a:solidFill>
+                <a:latin typeface="Consolas" panose="020B0609020204030204" pitchFamily="49" charset="0"/>
+              </a:rPr>
+              <a:t> x = d3.scaleBand()</a:t>
+            </a:r>
+          </a:p>
+          <a:p>
+            <a:r>
+              <a:rPr lang="en-US" sz="1000" dirty="0">
+                <a:solidFill>
+                  <a:srgbClr val="D4D4D4"/>
+                </a:solidFill>
+                <a:latin typeface="Consolas" panose="020B0609020204030204" pitchFamily="49" charset="0"/>
+              </a:rPr>
+              <a:t>         .range([</a:t>
+            </a:r>
+            <a:r>
+              <a:rPr lang="en-US" sz="1000" dirty="0">
+                <a:solidFill>
+                  <a:srgbClr val="B5CEA8"/>
+                </a:solidFill>
+                <a:latin typeface="Consolas" panose="020B0609020204030204" pitchFamily="49" charset="0"/>
+              </a:rPr>
+              <a:t>0</a:t>
+            </a:r>
+            <a:r>
+              <a:rPr lang="en-US" sz="1000" dirty="0">
+                <a:solidFill>
+                  <a:srgbClr val="D4D4D4"/>
+                </a:solidFill>
+                <a:latin typeface="Consolas" panose="020B0609020204030204" pitchFamily="49" charset="0"/>
+              </a:rPr>
+              <a:t>, width])</a:t>
+            </a:r>
+          </a:p>
+          <a:p>
+            <a:r>
+              <a:rPr lang="en-US" sz="1000" dirty="0">
+                <a:solidFill>
+                  <a:srgbClr val="D4D4D4"/>
+                </a:solidFill>
+                <a:latin typeface="Consolas" panose="020B0609020204030204" pitchFamily="49" charset="0"/>
+              </a:rPr>
+              <a:t>         .padding(</a:t>
+            </a:r>
+            <a:r>
+              <a:rPr lang="en-US" sz="1000" dirty="0">
+                <a:solidFill>
+                  <a:srgbClr val="B5CEA8"/>
+                </a:solidFill>
+                <a:latin typeface="Consolas" panose="020B0609020204030204" pitchFamily="49" charset="0"/>
+              </a:rPr>
+              <a:t>0.1</a:t>
+            </a:r>
+            <a:r>
+              <a:rPr lang="en-US" sz="1000" dirty="0">
+                <a:solidFill>
+                  <a:srgbClr val="D4D4D4"/>
+                </a:solidFill>
+                <a:latin typeface="Consolas" panose="020B0609020204030204" pitchFamily="49" charset="0"/>
+              </a:rPr>
+              <a:t>);</a:t>
+            </a:r>
+          </a:p>
+          <a:p>
+            <a:r>
+              <a:rPr lang="en-US" sz="1000" dirty="0">
+                <a:solidFill>
+                  <a:srgbClr val="569CD6"/>
+                </a:solidFill>
+                <a:latin typeface="Consolas" panose="020B0609020204030204" pitchFamily="49" charset="0"/>
+              </a:rPr>
+              <a:t>var</a:t>
+            </a:r>
+            <a:r>
+              <a:rPr lang="en-US" sz="1000" dirty="0">
+                <a:solidFill>
+                  <a:srgbClr val="D4D4D4"/>
+                </a:solidFill>
+                <a:latin typeface="Consolas" panose="020B0609020204030204" pitchFamily="49" charset="0"/>
+              </a:rPr>
+              <a:t> y = d3.scaleLinear()</a:t>
+            </a:r>
+          </a:p>
+          <a:p>
+            <a:r>
+              <a:rPr lang="en-US" sz="1000" dirty="0">
+                <a:solidFill>
+                  <a:srgbClr val="D4D4D4"/>
+                </a:solidFill>
+                <a:latin typeface="Consolas" panose="020B0609020204030204" pitchFamily="49" charset="0"/>
+              </a:rPr>
+              <a:t>         .range([height, </a:t>
+            </a:r>
+            <a:r>
+              <a:rPr lang="en-US" sz="1000" dirty="0">
+                <a:solidFill>
+                  <a:srgbClr val="B5CEA8"/>
+                </a:solidFill>
+                <a:latin typeface="Consolas" panose="020B0609020204030204" pitchFamily="49" charset="0"/>
+              </a:rPr>
+              <a:t>0</a:t>
+            </a:r>
+            <a:r>
+              <a:rPr lang="en-US" sz="1000" dirty="0">
+                <a:solidFill>
+                  <a:srgbClr val="D4D4D4"/>
+                </a:solidFill>
+                <a:latin typeface="Consolas" panose="020B0609020204030204" pitchFamily="49" charset="0"/>
+              </a:rPr>
+              <a:t>]);</a:t>
+            </a:r>
+          </a:p>
+          <a:p>
+            <a:r>
+              <a:rPr lang="en-US" sz="1000" dirty="0">
+                <a:solidFill>
+                  <a:srgbClr val="6A9955"/>
+                </a:solidFill>
+                <a:latin typeface="Consolas" panose="020B0609020204030204" pitchFamily="49" charset="0"/>
+              </a:rPr>
+              <a:t>// append the </a:t>
+            </a:r>
+            <a:r>
+              <a:rPr lang="en-US" sz="1000" dirty="0" err="1">
+                <a:solidFill>
+                  <a:srgbClr val="6A9955"/>
+                </a:solidFill>
+                <a:latin typeface="Consolas" panose="020B0609020204030204" pitchFamily="49" charset="0"/>
+              </a:rPr>
+              <a:t>svg</a:t>
+            </a:r>
+            <a:r>
+              <a:rPr lang="en-US" sz="1000" dirty="0">
+                <a:solidFill>
+                  <a:srgbClr val="6A9955"/>
+                </a:solidFill>
+                <a:latin typeface="Consolas" panose="020B0609020204030204" pitchFamily="49" charset="0"/>
+              </a:rPr>
+              <a:t> object to the body of the page</a:t>
+            </a:r>
+            <a:endParaRPr lang="en-US" sz="1000" dirty="0">
+              <a:solidFill>
+                <a:srgbClr val="D4D4D4"/>
+              </a:solidFill>
+              <a:latin typeface="Consolas" panose="020B0609020204030204" pitchFamily="49" charset="0"/>
+            </a:endParaRPr>
+          </a:p>
+          <a:p>
+            <a:r>
+              <a:rPr lang="en-US" sz="1000" dirty="0">
+                <a:solidFill>
+                  <a:srgbClr val="6A9955"/>
+                </a:solidFill>
+                <a:latin typeface="Consolas" panose="020B0609020204030204" pitchFamily="49" charset="0"/>
+              </a:rPr>
+              <a:t>// append a 'group' element to '</a:t>
+            </a:r>
+            <a:r>
+              <a:rPr lang="en-US" sz="1000" dirty="0" err="1">
+                <a:solidFill>
+                  <a:srgbClr val="6A9955"/>
+                </a:solidFill>
+                <a:latin typeface="Consolas" panose="020B0609020204030204" pitchFamily="49" charset="0"/>
+              </a:rPr>
+              <a:t>svg</a:t>
+            </a:r>
+            <a:r>
+              <a:rPr lang="en-US" sz="1000" dirty="0">
+                <a:solidFill>
+                  <a:srgbClr val="6A9955"/>
+                </a:solidFill>
+                <a:latin typeface="Consolas" panose="020B0609020204030204" pitchFamily="49" charset="0"/>
+              </a:rPr>
+              <a:t>'</a:t>
+            </a:r>
+            <a:endParaRPr lang="en-US" sz="1000" dirty="0">
+              <a:solidFill>
+                <a:srgbClr val="D4D4D4"/>
+              </a:solidFill>
+              <a:latin typeface="Consolas" panose="020B0609020204030204" pitchFamily="49" charset="0"/>
+            </a:endParaRPr>
+          </a:p>
+          <a:p>
+            <a:r>
+              <a:rPr lang="en-US" sz="1000" dirty="0">
+                <a:solidFill>
+                  <a:srgbClr val="6A9955"/>
+                </a:solidFill>
+                <a:latin typeface="Consolas" panose="020B0609020204030204" pitchFamily="49" charset="0"/>
+              </a:rPr>
+              <a:t>// moves the 'group' element to the top left margin</a:t>
+            </a:r>
+            <a:endParaRPr lang="en-US" sz="1000" dirty="0">
+              <a:solidFill>
+                <a:srgbClr val="D4D4D4"/>
+              </a:solidFill>
+              <a:latin typeface="Consolas" panose="020B0609020204030204" pitchFamily="49" charset="0"/>
+            </a:endParaRPr>
+          </a:p>
+          <a:p>
+            <a:r>
+              <a:rPr lang="en-US" sz="1000" dirty="0">
+                <a:solidFill>
+                  <a:srgbClr val="569CD6"/>
+                </a:solidFill>
+                <a:latin typeface="Consolas" panose="020B0609020204030204" pitchFamily="49" charset="0"/>
+              </a:rPr>
+              <a:t>var</a:t>
+            </a:r>
+            <a:r>
+              <a:rPr lang="en-US" sz="1000" dirty="0">
+                <a:solidFill>
+                  <a:srgbClr val="D4D4D4"/>
+                </a:solidFill>
+                <a:latin typeface="Consolas" panose="020B0609020204030204" pitchFamily="49" charset="0"/>
+              </a:rPr>
+              <a:t> </a:t>
+            </a:r>
+            <a:r>
+              <a:rPr lang="en-US" sz="1000" dirty="0" err="1">
+                <a:solidFill>
+                  <a:srgbClr val="D4D4D4"/>
+                </a:solidFill>
+                <a:latin typeface="Consolas" panose="020B0609020204030204" pitchFamily="49" charset="0"/>
+              </a:rPr>
+              <a:t>svg</a:t>
+            </a:r>
+            <a:r>
+              <a:rPr lang="en-US" sz="1000" dirty="0">
+                <a:solidFill>
+                  <a:srgbClr val="D4D4D4"/>
+                </a:solidFill>
+                <a:latin typeface="Consolas" panose="020B0609020204030204" pitchFamily="49" charset="0"/>
+              </a:rPr>
+              <a:t> = d3.select(</a:t>
+            </a:r>
+            <a:r>
+              <a:rPr lang="en-US" sz="1000" dirty="0">
+                <a:solidFill>
+                  <a:srgbClr val="CE9178"/>
+                </a:solidFill>
+                <a:latin typeface="Consolas" panose="020B0609020204030204" pitchFamily="49" charset="0"/>
+              </a:rPr>
+              <a:t>"body"</a:t>
+            </a:r>
+            <a:r>
+              <a:rPr lang="en-US" sz="1000" dirty="0">
+                <a:solidFill>
+                  <a:srgbClr val="D4D4D4"/>
+                </a:solidFill>
+                <a:latin typeface="Consolas" panose="020B0609020204030204" pitchFamily="49" charset="0"/>
+              </a:rPr>
+              <a:t>).append(</a:t>
+            </a:r>
+            <a:r>
+              <a:rPr lang="en-US" sz="1000" dirty="0">
+                <a:solidFill>
+                  <a:srgbClr val="CE9178"/>
+                </a:solidFill>
+                <a:latin typeface="Consolas" panose="020B0609020204030204" pitchFamily="49" charset="0"/>
+              </a:rPr>
+              <a:t>"</a:t>
+            </a:r>
+            <a:r>
+              <a:rPr lang="en-US" sz="1000" dirty="0" err="1">
+                <a:solidFill>
+                  <a:srgbClr val="CE9178"/>
+                </a:solidFill>
+                <a:latin typeface="Consolas" panose="020B0609020204030204" pitchFamily="49" charset="0"/>
+              </a:rPr>
+              <a:t>svg</a:t>
+            </a:r>
+            <a:r>
+              <a:rPr lang="en-US" sz="1000" dirty="0">
+                <a:solidFill>
+                  <a:srgbClr val="CE9178"/>
+                </a:solidFill>
+                <a:latin typeface="Consolas" panose="020B0609020204030204" pitchFamily="49" charset="0"/>
+              </a:rPr>
+              <a:t>"</a:t>
+            </a:r>
+            <a:r>
+              <a:rPr lang="en-US" sz="1000" dirty="0">
+                <a:solidFill>
+                  <a:srgbClr val="D4D4D4"/>
+                </a:solidFill>
+                <a:latin typeface="Consolas" panose="020B0609020204030204" pitchFamily="49" charset="0"/>
+              </a:rPr>
+              <a:t>)</a:t>
+            </a:r>
+          </a:p>
+          <a:p>
+            <a:r>
+              <a:rPr lang="en-US" sz="1000" dirty="0">
+                <a:solidFill>
+                  <a:srgbClr val="D4D4D4"/>
+                </a:solidFill>
+                <a:latin typeface="Consolas" panose="020B0609020204030204" pitchFamily="49" charset="0"/>
+              </a:rPr>
+              <a:t>   .</a:t>
+            </a:r>
+            <a:r>
+              <a:rPr lang="en-US" sz="1000" dirty="0" err="1">
+                <a:solidFill>
+                  <a:srgbClr val="D4D4D4"/>
+                </a:solidFill>
+                <a:latin typeface="Consolas" panose="020B0609020204030204" pitchFamily="49" charset="0"/>
+              </a:rPr>
+              <a:t>attr</a:t>
+            </a:r>
+            <a:r>
+              <a:rPr lang="en-US" sz="1000" dirty="0">
+                <a:solidFill>
+                  <a:srgbClr val="D4D4D4"/>
+                </a:solidFill>
+                <a:latin typeface="Consolas" panose="020B0609020204030204" pitchFamily="49" charset="0"/>
+              </a:rPr>
+              <a:t>(</a:t>
+            </a:r>
+            <a:r>
+              <a:rPr lang="en-US" sz="1000" dirty="0">
+                <a:solidFill>
+                  <a:srgbClr val="CE9178"/>
+                </a:solidFill>
+                <a:latin typeface="Consolas" panose="020B0609020204030204" pitchFamily="49" charset="0"/>
+              </a:rPr>
+              <a:t>"width"</a:t>
+            </a:r>
+            <a:r>
+              <a:rPr lang="en-US" sz="1000" dirty="0">
+                <a:solidFill>
+                  <a:srgbClr val="D4D4D4"/>
+                </a:solidFill>
+                <a:latin typeface="Consolas" panose="020B0609020204030204" pitchFamily="49" charset="0"/>
+              </a:rPr>
+              <a:t>, width + </a:t>
+            </a:r>
+            <a:r>
+              <a:rPr lang="en-US" sz="1000" dirty="0" err="1">
+                <a:solidFill>
+                  <a:srgbClr val="D4D4D4"/>
+                </a:solidFill>
+                <a:latin typeface="Consolas" panose="020B0609020204030204" pitchFamily="49" charset="0"/>
+              </a:rPr>
+              <a:t>margin.left</a:t>
+            </a:r>
+            <a:r>
+              <a:rPr lang="en-US" sz="1000" dirty="0">
+                <a:solidFill>
+                  <a:srgbClr val="D4D4D4"/>
+                </a:solidFill>
+                <a:latin typeface="Consolas" panose="020B0609020204030204" pitchFamily="49" charset="0"/>
+              </a:rPr>
+              <a:t> + </a:t>
+            </a:r>
+            <a:r>
+              <a:rPr lang="en-US" sz="1000" dirty="0" err="1">
+                <a:solidFill>
+                  <a:srgbClr val="D4D4D4"/>
+                </a:solidFill>
+                <a:latin typeface="Consolas" panose="020B0609020204030204" pitchFamily="49" charset="0"/>
+              </a:rPr>
+              <a:t>margin.right</a:t>
+            </a:r>
+            <a:r>
+              <a:rPr lang="en-US" sz="1000" dirty="0">
+                <a:solidFill>
+                  <a:srgbClr val="D4D4D4"/>
+                </a:solidFill>
+                <a:latin typeface="Consolas" panose="020B0609020204030204" pitchFamily="49" charset="0"/>
+              </a:rPr>
+              <a:t>)</a:t>
+            </a:r>
+          </a:p>
+          <a:p>
+            <a:r>
+              <a:rPr lang="en-US" sz="1000" dirty="0">
+                <a:solidFill>
+                  <a:srgbClr val="D4D4D4"/>
+                </a:solidFill>
+                <a:latin typeface="Consolas" panose="020B0609020204030204" pitchFamily="49" charset="0"/>
+              </a:rPr>
+              <a:t>   .</a:t>
+            </a:r>
+            <a:r>
+              <a:rPr lang="en-US" sz="1000" dirty="0" err="1">
+                <a:solidFill>
+                  <a:srgbClr val="D4D4D4"/>
+                </a:solidFill>
+                <a:latin typeface="Consolas" panose="020B0609020204030204" pitchFamily="49" charset="0"/>
+              </a:rPr>
+              <a:t>attr</a:t>
+            </a:r>
+            <a:r>
+              <a:rPr lang="en-US" sz="1000" dirty="0">
+                <a:solidFill>
+                  <a:srgbClr val="D4D4D4"/>
+                </a:solidFill>
+                <a:latin typeface="Consolas" panose="020B0609020204030204" pitchFamily="49" charset="0"/>
+              </a:rPr>
+              <a:t>(</a:t>
+            </a:r>
+            <a:r>
+              <a:rPr lang="en-US" sz="1000" dirty="0">
+                <a:solidFill>
+                  <a:srgbClr val="CE9178"/>
+                </a:solidFill>
+                <a:latin typeface="Consolas" panose="020B0609020204030204" pitchFamily="49" charset="0"/>
+              </a:rPr>
+              <a:t>"height"</a:t>
+            </a:r>
+            <a:r>
+              <a:rPr lang="en-US" sz="1000" dirty="0">
+                <a:solidFill>
+                  <a:srgbClr val="D4D4D4"/>
+                </a:solidFill>
+                <a:latin typeface="Consolas" panose="020B0609020204030204" pitchFamily="49" charset="0"/>
+              </a:rPr>
+              <a:t>, height + </a:t>
+            </a:r>
+            <a:r>
+              <a:rPr lang="en-US" sz="1000" dirty="0" err="1">
+                <a:solidFill>
+                  <a:srgbClr val="D4D4D4"/>
+                </a:solidFill>
+                <a:latin typeface="Consolas" panose="020B0609020204030204" pitchFamily="49" charset="0"/>
+              </a:rPr>
+              <a:t>margin.top</a:t>
+            </a:r>
+            <a:r>
+              <a:rPr lang="en-US" sz="1000" dirty="0">
+                <a:solidFill>
+                  <a:srgbClr val="D4D4D4"/>
+                </a:solidFill>
+                <a:latin typeface="Consolas" panose="020B0609020204030204" pitchFamily="49" charset="0"/>
+              </a:rPr>
+              <a:t> + </a:t>
+            </a:r>
+            <a:r>
+              <a:rPr lang="en-US" sz="1000" dirty="0" err="1">
+                <a:solidFill>
+                  <a:srgbClr val="D4D4D4"/>
+                </a:solidFill>
+                <a:latin typeface="Consolas" panose="020B0609020204030204" pitchFamily="49" charset="0"/>
+              </a:rPr>
+              <a:t>margin.bottom</a:t>
+            </a:r>
+            <a:r>
+              <a:rPr lang="en-US" sz="1000" dirty="0">
+                <a:solidFill>
+                  <a:srgbClr val="D4D4D4"/>
+                </a:solidFill>
+                <a:latin typeface="Consolas" panose="020B0609020204030204" pitchFamily="49" charset="0"/>
+              </a:rPr>
+              <a:t>)</a:t>
+            </a:r>
+          </a:p>
+          <a:p>
+            <a:r>
+              <a:rPr lang="en-US" sz="1000" dirty="0">
+                <a:solidFill>
+                  <a:srgbClr val="D4D4D4"/>
+                </a:solidFill>
+                <a:latin typeface="Consolas" panose="020B0609020204030204" pitchFamily="49" charset="0"/>
+              </a:rPr>
+              <a:t> .append(</a:t>
+            </a:r>
+            <a:r>
+              <a:rPr lang="en-US" sz="1000" dirty="0">
+                <a:solidFill>
+                  <a:srgbClr val="CE9178"/>
+                </a:solidFill>
+                <a:latin typeface="Consolas" panose="020B0609020204030204" pitchFamily="49" charset="0"/>
+              </a:rPr>
+              <a:t>"g"</a:t>
+            </a:r>
+            <a:r>
+              <a:rPr lang="en-US" sz="1000" dirty="0">
+                <a:solidFill>
+                  <a:srgbClr val="D4D4D4"/>
+                </a:solidFill>
+                <a:latin typeface="Consolas" panose="020B0609020204030204" pitchFamily="49" charset="0"/>
+              </a:rPr>
+              <a:t>)</a:t>
+            </a:r>
+          </a:p>
+          <a:p>
+            <a:r>
+              <a:rPr lang="en-US" sz="1000" dirty="0">
+                <a:solidFill>
+                  <a:srgbClr val="D4D4D4"/>
+                </a:solidFill>
+                <a:latin typeface="Consolas" panose="020B0609020204030204" pitchFamily="49" charset="0"/>
+              </a:rPr>
+              <a:t>   .</a:t>
+            </a:r>
+            <a:r>
+              <a:rPr lang="en-US" sz="1000" dirty="0" err="1">
+                <a:solidFill>
+                  <a:srgbClr val="D4D4D4"/>
+                </a:solidFill>
+                <a:latin typeface="Consolas" panose="020B0609020204030204" pitchFamily="49" charset="0"/>
+              </a:rPr>
+              <a:t>attr</a:t>
+            </a:r>
+            <a:r>
+              <a:rPr lang="en-US" sz="1000" dirty="0">
+                <a:solidFill>
+                  <a:srgbClr val="D4D4D4"/>
+                </a:solidFill>
+                <a:latin typeface="Consolas" panose="020B0609020204030204" pitchFamily="49" charset="0"/>
+              </a:rPr>
+              <a:t>(</a:t>
+            </a:r>
+            <a:r>
+              <a:rPr lang="en-US" sz="1000" dirty="0">
+                <a:solidFill>
+                  <a:srgbClr val="CE9178"/>
+                </a:solidFill>
+                <a:latin typeface="Consolas" panose="020B0609020204030204" pitchFamily="49" charset="0"/>
+              </a:rPr>
+              <a:t>"transform"</a:t>
+            </a:r>
+            <a:r>
+              <a:rPr lang="en-US" sz="1000" dirty="0">
+                <a:solidFill>
+                  <a:srgbClr val="D4D4D4"/>
+                </a:solidFill>
+                <a:latin typeface="Consolas" panose="020B0609020204030204" pitchFamily="49" charset="0"/>
+              </a:rPr>
+              <a:t>,</a:t>
+            </a:r>
+          </a:p>
+          <a:p>
+            <a:r>
+              <a:rPr lang="en-US" sz="1000" dirty="0">
+                <a:solidFill>
+                  <a:srgbClr val="D4D4D4"/>
+                </a:solidFill>
+                <a:latin typeface="Consolas" panose="020B0609020204030204" pitchFamily="49" charset="0"/>
+              </a:rPr>
+              <a:t>         </a:t>
+            </a:r>
+            <a:r>
+              <a:rPr lang="en-US" sz="1000" dirty="0">
+                <a:solidFill>
+                  <a:srgbClr val="CE9178"/>
+                </a:solidFill>
+                <a:latin typeface="Consolas" panose="020B0609020204030204" pitchFamily="49" charset="0"/>
+              </a:rPr>
+              <a:t>"translate("</a:t>
+            </a:r>
+            <a:r>
+              <a:rPr lang="en-US" sz="1000" dirty="0">
+                <a:solidFill>
+                  <a:srgbClr val="D4D4D4"/>
+                </a:solidFill>
+                <a:latin typeface="Consolas" panose="020B0609020204030204" pitchFamily="49" charset="0"/>
+              </a:rPr>
+              <a:t> + </a:t>
+            </a:r>
+            <a:r>
+              <a:rPr lang="en-US" sz="1000" dirty="0" err="1">
+                <a:solidFill>
+                  <a:srgbClr val="D4D4D4"/>
+                </a:solidFill>
+                <a:latin typeface="Consolas" panose="020B0609020204030204" pitchFamily="49" charset="0"/>
+              </a:rPr>
+              <a:t>margin.left</a:t>
+            </a:r>
+            <a:r>
+              <a:rPr lang="en-US" sz="1000" dirty="0">
+                <a:solidFill>
+                  <a:srgbClr val="D4D4D4"/>
+                </a:solidFill>
+                <a:latin typeface="Consolas" panose="020B0609020204030204" pitchFamily="49" charset="0"/>
+              </a:rPr>
+              <a:t> + </a:t>
+            </a:r>
+            <a:r>
+              <a:rPr lang="en-US" sz="1000" dirty="0">
+                <a:solidFill>
+                  <a:srgbClr val="CE9178"/>
+                </a:solidFill>
+                <a:latin typeface="Consolas" panose="020B0609020204030204" pitchFamily="49" charset="0"/>
+              </a:rPr>
+              <a:t>","</a:t>
+            </a:r>
+            <a:r>
+              <a:rPr lang="en-US" sz="1000" dirty="0">
+                <a:solidFill>
+                  <a:srgbClr val="D4D4D4"/>
+                </a:solidFill>
+                <a:latin typeface="Consolas" panose="020B0609020204030204" pitchFamily="49" charset="0"/>
+              </a:rPr>
+              <a:t> + </a:t>
+            </a:r>
+            <a:r>
+              <a:rPr lang="en-US" sz="1000" dirty="0" err="1">
+                <a:solidFill>
+                  <a:srgbClr val="D4D4D4"/>
+                </a:solidFill>
+                <a:latin typeface="Consolas" panose="020B0609020204030204" pitchFamily="49" charset="0"/>
+              </a:rPr>
+              <a:t>margin.top</a:t>
+            </a:r>
+            <a:r>
+              <a:rPr lang="en-US" sz="1000" dirty="0">
+                <a:solidFill>
+                  <a:srgbClr val="D4D4D4"/>
+                </a:solidFill>
+                <a:latin typeface="Consolas" panose="020B0609020204030204" pitchFamily="49" charset="0"/>
+              </a:rPr>
+              <a:t> + </a:t>
+            </a:r>
+            <a:r>
+              <a:rPr lang="en-US" sz="1000" dirty="0">
+                <a:solidFill>
+                  <a:srgbClr val="CE9178"/>
+                </a:solidFill>
+                <a:latin typeface="Consolas" panose="020B0609020204030204" pitchFamily="49" charset="0"/>
+              </a:rPr>
+              <a:t>")"</a:t>
+            </a:r>
+            <a:r>
+              <a:rPr lang="en-US" sz="1000" dirty="0">
+                <a:solidFill>
+                  <a:srgbClr val="D4D4D4"/>
+                </a:solidFill>
+                <a:latin typeface="Consolas" panose="020B0609020204030204" pitchFamily="49" charset="0"/>
+              </a:rPr>
+              <a:t>);</a:t>
+            </a:r>
+          </a:p>
+        </p:txBody>
+      </p:sp>
+      <p:sp>
+        <p:nvSpPr>
+          <p:cNvPr id="9" name="TextBox 8">
+            <a:extLst>
+              <a:ext uri="{FF2B5EF4-FFF2-40B4-BE49-F238E27FC236}">
+                <a16:creationId xmlns:a16="http://schemas.microsoft.com/office/drawing/2014/main" id="{90FE36C8-3C2E-4D07-AB9D-A213AE951DB9}"/>
+              </a:ext>
+            </a:extLst>
+          </p:cNvPr>
+          <p:cNvSpPr txBox="1"/>
+          <p:nvPr/>
+        </p:nvSpPr>
+        <p:spPr>
+          <a:xfrm>
+            <a:off x="4705351" y="1120589"/>
+            <a:ext cx="4438649" cy="4862870"/>
+          </a:xfrm>
+          <a:prstGeom prst="rect">
+            <a:avLst/>
+          </a:prstGeom>
+          <a:noFill/>
+        </p:spPr>
+        <p:txBody>
+          <a:bodyPr wrap="square" rtlCol="0">
+            <a:spAutoFit/>
+          </a:bodyPr>
+          <a:lstStyle/>
+          <a:p>
+            <a:r>
+              <a:rPr lang="en-US" sz="1000" dirty="0">
+                <a:solidFill>
+                  <a:srgbClr val="6A9955"/>
+                </a:solidFill>
+                <a:latin typeface="Consolas" panose="020B0609020204030204" pitchFamily="49" charset="0"/>
+              </a:rPr>
+              <a:t>// get the data</a:t>
+            </a:r>
+            <a:endParaRPr lang="en-US" sz="1000" dirty="0">
+              <a:solidFill>
+                <a:srgbClr val="D4D4D4"/>
+              </a:solidFill>
+              <a:latin typeface="Consolas" panose="020B0609020204030204" pitchFamily="49" charset="0"/>
+            </a:endParaRPr>
+          </a:p>
+          <a:p>
+            <a:r>
+              <a:rPr lang="en-US" sz="1000" dirty="0">
+                <a:solidFill>
+                  <a:srgbClr val="D4D4D4"/>
+                </a:solidFill>
+                <a:latin typeface="Consolas" panose="020B0609020204030204" pitchFamily="49" charset="0"/>
+              </a:rPr>
+              <a:t>d3.csv(</a:t>
+            </a:r>
+            <a:r>
+              <a:rPr lang="en-US" sz="1000" dirty="0">
+                <a:solidFill>
+                  <a:srgbClr val="CE9178"/>
+                </a:solidFill>
+                <a:latin typeface="Consolas" panose="020B0609020204030204" pitchFamily="49" charset="0"/>
+              </a:rPr>
+              <a:t>"sales.csv"</a:t>
+            </a:r>
+            <a:r>
+              <a:rPr lang="en-US" sz="1000" dirty="0">
+                <a:solidFill>
+                  <a:srgbClr val="D4D4D4"/>
+                </a:solidFill>
+                <a:latin typeface="Consolas" panose="020B0609020204030204" pitchFamily="49" charset="0"/>
+              </a:rPr>
+              <a:t>, </a:t>
+            </a:r>
+            <a:r>
+              <a:rPr lang="en-US" sz="1000" dirty="0">
+                <a:solidFill>
+                  <a:srgbClr val="569CD6"/>
+                </a:solidFill>
+                <a:latin typeface="Consolas" panose="020B0609020204030204" pitchFamily="49" charset="0"/>
+              </a:rPr>
+              <a:t>function</a:t>
+            </a:r>
+            <a:r>
+              <a:rPr lang="en-US" sz="1000" dirty="0">
+                <a:solidFill>
+                  <a:srgbClr val="D4D4D4"/>
+                </a:solidFill>
+                <a:latin typeface="Consolas" panose="020B0609020204030204" pitchFamily="49" charset="0"/>
+              </a:rPr>
+              <a:t>(error, data) {</a:t>
+            </a:r>
+          </a:p>
+          <a:p>
+            <a:r>
+              <a:rPr lang="en-US" sz="1000" dirty="0">
+                <a:solidFill>
+                  <a:srgbClr val="D4D4D4"/>
+                </a:solidFill>
+                <a:latin typeface="Consolas" panose="020B0609020204030204" pitchFamily="49" charset="0"/>
+              </a:rPr>
+              <a:t> </a:t>
+            </a:r>
+            <a:r>
+              <a:rPr lang="en-US" sz="1000" dirty="0">
+                <a:solidFill>
+                  <a:srgbClr val="569CD6"/>
+                </a:solidFill>
+                <a:latin typeface="Consolas" panose="020B0609020204030204" pitchFamily="49" charset="0"/>
+              </a:rPr>
+              <a:t>if</a:t>
+            </a:r>
+            <a:r>
+              <a:rPr lang="en-US" sz="1000" dirty="0">
+                <a:solidFill>
+                  <a:srgbClr val="D4D4D4"/>
+                </a:solidFill>
+                <a:latin typeface="Consolas" panose="020B0609020204030204" pitchFamily="49" charset="0"/>
+              </a:rPr>
+              <a:t> (error) </a:t>
+            </a:r>
+            <a:r>
+              <a:rPr lang="en-US" sz="1000" dirty="0">
+                <a:solidFill>
+                  <a:srgbClr val="569CD6"/>
+                </a:solidFill>
+                <a:latin typeface="Consolas" panose="020B0609020204030204" pitchFamily="49" charset="0"/>
+              </a:rPr>
+              <a:t>throw</a:t>
+            </a:r>
+            <a:r>
+              <a:rPr lang="en-US" sz="1000" dirty="0">
+                <a:solidFill>
+                  <a:srgbClr val="D4D4D4"/>
+                </a:solidFill>
+                <a:latin typeface="Consolas" panose="020B0609020204030204" pitchFamily="49" charset="0"/>
+              </a:rPr>
+              <a:t> error;</a:t>
+            </a:r>
+          </a:p>
+          <a:p>
+            <a:r>
+              <a:rPr lang="en-US" sz="1000" dirty="0">
+                <a:solidFill>
+                  <a:srgbClr val="D4D4D4"/>
+                </a:solidFill>
+                <a:latin typeface="Consolas" panose="020B0609020204030204" pitchFamily="49" charset="0"/>
+              </a:rPr>
+              <a:t> </a:t>
+            </a:r>
+            <a:r>
+              <a:rPr lang="en-US" sz="1000" dirty="0">
+                <a:solidFill>
+                  <a:srgbClr val="6A9955"/>
+                </a:solidFill>
+                <a:latin typeface="Consolas" panose="020B0609020204030204" pitchFamily="49" charset="0"/>
+              </a:rPr>
+              <a:t>// format the data</a:t>
+            </a:r>
+            <a:endParaRPr lang="en-US" sz="1000" dirty="0">
+              <a:solidFill>
+                <a:srgbClr val="D4D4D4"/>
+              </a:solidFill>
+              <a:latin typeface="Consolas" panose="020B0609020204030204" pitchFamily="49" charset="0"/>
+            </a:endParaRPr>
+          </a:p>
+          <a:p>
+            <a:r>
+              <a:rPr lang="en-US" sz="1000" dirty="0">
+                <a:solidFill>
+                  <a:srgbClr val="D4D4D4"/>
+                </a:solidFill>
+                <a:latin typeface="Consolas" panose="020B0609020204030204" pitchFamily="49" charset="0"/>
+              </a:rPr>
+              <a:t> </a:t>
+            </a:r>
+            <a:r>
+              <a:rPr lang="en-US" sz="1000" dirty="0" err="1">
+                <a:solidFill>
+                  <a:srgbClr val="D4D4D4"/>
+                </a:solidFill>
+                <a:latin typeface="Consolas" panose="020B0609020204030204" pitchFamily="49" charset="0"/>
+              </a:rPr>
+              <a:t>data.forEach</a:t>
+            </a:r>
+            <a:r>
+              <a:rPr lang="en-US" sz="1000" dirty="0">
+                <a:solidFill>
+                  <a:srgbClr val="D4D4D4"/>
+                </a:solidFill>
+                <a:latin typeface="Consolas" panose="020B0609020204030204" pitchFamily="49" charset="0"/>
+              </a:rPr>
+              <a:t>(</a:t>
+            </a:r>
+            <a:r>
+              <a:rPr lang="en-US" sz="1000" dirty="0">
+                <a:solidFill>
+                  <a:srgbClr val="569CD6"/>
+                </a:solidFill>
+                <a:latin typeface="Consolas" panose="020B0609020204030204" pitchFamily="49" charset="0"/>
+              </a:rPr>
+              <a:t>function</a:t>
+            </a:r>
+            <a:r>
+              <a:rPr lang="en-US" sz="1000" dirty="0">
+                <a:solidFill>
+                  <a:srgbClr val="D4D4D4"/>
+                </a:solidFill>
+                <a:latin typeface="Consolas" panose="020B0609020204030204" pitchFamily="49" charset="0"/>
+              </a:rPr>
+              <a:t>(d) {</a:t>
+            </a:r>
+          </a:p>
+          <a:p>
+            <a:r>
+              <a:rPr lang="en-US" sz="1000" dirty="0">
+                <a:solidFill>
+                  <a:srgbClr val="D4D4D4"/>
+                </a:solidFill>
+                <a:latin typeface="Consolas" panose="020B0609020204030204" pitchFamily="49" charset="0"/>
+              </a:rPr>
+              <a:t>   </a:t>
+            </a:r>
+            <a:r>
+              <a:rPr lang="en-US" sz="1000" dirty="0" err="1">
+                <a:solidFill>
+                  <a:srgbClr val="D4D4D4"/>
+                </a:solidFill>
+                <a:latin typeface="Consolas" panose="020B0609020204030204" pitchFamily="49" charset="0"/>
+              </a:rPr>
+              <a:t>d.sales</a:t>
+            </a:r>
+            <a:r>
+              <a:rPr lang="en-US" sz="1000" dirty="0">
+                <a:solidFill>
+                  <a:srgbClr val="D4D4D4"/>
+                </a:solidFill>
+                <a:latin typeface="Consolas" panose="020B0609020204030204" pitchFamily="49" charset="0"/>
+              </a:rPr>
+              <a:t> = +</a:t>
+            </a:r>
+            <a:r>
+              <a:rPr lang="en-US" sz="1000" dirty="0" err="1">
+                <a:solidFill>
+                  <a:srgbClr val="D4D4D4"/>
+                </a:solidFill>
+                <a:latin typeface="Consolas" panose="020B0609020204030204" pitchFamily="49" charset="0"/>
+              </a:rPr>
+              <a:t>d.sales</a:t>
+            </a:r>
+            <a:r>
+              <a:rPr lang="en-US" sz="1000" dirty="0">
+                <a:solidFill>
+                  <a:srgbClr val="D4D4D4"/>
+                </a:solidFill>
+                <a:latin typeface="Consolas" panose="020B0609020204030204" pitchFamily="49" charset="0"/>
+              </a:rPr>
+              <a:t>;</a:t>
+            </a:r>
+          </a:p>
+          <a:p>
+            <a:r>
+              <a:rPr lang="en-US" sz="1000" dirty="0">
+                <a:solidFill>
+                  <a:srgbClr val="D4D4D4"/>
+                </a:solidFill>
+                <a:latin typeface="Consolas" panose="020B0609020204030204" pitchFamily="49" charset="0"/>
+              </a:rPr>
+              <a:t> });</a:t>
+            </a:r>
+          </a:p>
+          <a:p>
+            <a:r>
+              <a:rPr lang="en-US" sz="1000" dirty="0">
+                <a:solidFill>
+                  <a:srgbClr val="D4D4D4"/>
+                </a:solidFill>
+                <a:latin typeface="Consolas" panose="020B0609020204030204" pitchFamily="49" charset="0"/>
+              </a:rPr>
+              <a:t> </a:t>
+            </a:r>
+            <a:r>
+              <a:rPr lang="en-US" sz="1000" dirty="0">
+                <a:solidFill>
+                  <a:srgbClr val="6A9955"/>
+                </a:solidFill>
+                <a:latin typeface="Consolas" panose="020B0609020204030204" pitchFamily="49" charset="0"/>
+              </a:rPr>
+              <a:t>// Scale the range of the data in the domains</a:t>
+            </a:r>
+            <a:endParaRPr lang="en-US" sz="1000" dirty="0">
+              <a:solidFill>
+                <a:srgbClr val="D4D4D4"/>
+              </a:solidFill>
+              <a:latin typeface="Consolas" panose="020B0609020204030204" pitchFamily="49" charset="0"/>
+            </a:endParaRPr>
+          </a:p>
+          <a:p>
+            <a:r>
+              <a:rPr lang="en-US" sz="1000" dirty="0">
+                <a:solidFill>
+                  <a:srgbClr val="D4D4D4"/>
+                </a:solidFill>
+                <a:latin typeface="Consolas" panose="020B0609020204030204" pitchFamily="49" charset="0"/>
+              </a:rPr>
+              <a:t> </a:t>
+            </a:r>
+            <a:r>
+              <a:rPr lang="en-US" sz="1000" dirty="0" err="1">
+                <a:solidFill>
+                  <a:srgbClr val="D4D4D4"/>
+                </a:solidFill>
+                <a:latin typeface="Consolas" panose="020B0609020204030204" pitchFamily="49" charset="0"/>
+              </a:rPr>
+              <a:t>x.domain</a:t>
+            </a:r>
+            <a:r>
+              <a:rPr lang="en-US" sz="1000" dirty="0">
+                <a:solidFill>
+                  <a:srgbClr val="D4D4D4"/>
+                </a:solidFill>
+                <a:latin typeface="Consolas" panose="020B0609020204030204" pitchFamily="49" charset="0"/>
+              </a:rPr>
+              <a:t>(</a:t>
+            </a:r>
+            <a:r>
+              <a:rPr lang="en-US" sz="1000" dirty="0" err="1">
+                <a:solidFill>
+                  <a:srgbClr val="D4D4D4"/>
+                </a:solidFill>
+                <a:latin typeface="Consolas" panose="020B0609020204030204" pitchFamily="49" charset="0"/>
+              </a:rPr>
+              <a:t>data.map</a:t>
+            </a:r>
+            <a:r>
+              <a:rPr lang="en-US" sz="1000" dirty="0">
+                <a:solidFill>
+                  <a:srgbClr val="D4D4D4"/>
+                </a:solidFill>
+                <a:latin typeface="Consolas" panose="020B0609020204030204" pitchFamily="49" charset="0"/>
+              </a:rPr>
+              <a:t>(</a:t>
+            </a:r>
+            <a:r>
+              <a:rPr lang="en-US" sz="1000" dirty="0">
+                <a:solidFill>
+                  <a:srgbClr val="569CD6"/>
+                </a:solidFill>
+                <a:latin typeface="Consolas" panose="020B0609020204030204" pitchFamily="49" charset="0"/>
+              </a:rPr>
+              <a:t>function</a:t>
+            </a:r>
+            <a:r>
+              <a:rPr lang="en-US" sz="1000" dirty="0">
+                <a:solidFill>
+                  <a:srgbClr val="D4D4D4"/>
+                </a:solidFill>
+                <a:latin typeface="Consolas" panose="020B0609020204030204" pitchFamily="49" charset="0"/>
+              </a:rPr>
+              <a:t>(d) { </a:t>
+            </a:r>
+            <a:r>
+              <a:rPr lang="en-US" sz="1000" dirty="0">
+                <a:solidFill>
+                  <a:srgbClr val="569CD6"/>
+                </a:solidFill>
+                <a:latin typeface="Consolas" panose="020B0609020204030204" pitchFamily="49" charset="0"/>
+              </a:rPr>
+              <a:t>return</a:t>
+            </a:r>
+            <a:r>
+              <a:rPr lang="en-US" sz="1000" dirty="0">
+                <a:solidFill>
+                  <a:srgbClr val="D4D4D4"/>
+                </a:solidFill>
+                <a:latin typeface="Consolas" panose="020B0609020204030204" pitchFamily="49" charset="0"/>
+              </a:rPr>
+              <a:t> </a:t>
+            </a:r>
+            <a:r>
+              <a:rPr lang="en-US" sz="1000" dirty="0" err="1">
+                <a:solidFill>
+                  <a:srgbClr val="D4D4D4"/>
+                </a:solidFill>
+                <a:latin typeface="Consolas" panose="020B0609020204030204" pitchFamily="49" charset="0"/>
+              </a:rPr>
+              <a:t>d.salesperson</a:t>
+            </a:r>
+            <a:r>
+              <a:rPr lang="en-US" sz="1000" dirty="0">
+                <a:solidFill>
+                  <a:srgbClr val="D4D4D4"/>
+                </a:solidFill>
+                <a:latin typeface="Consolas" panose="020B0609020204030204" pitchFamily="49" charset="0"/>
+              </a:rPr>
+              <a:t>; }));</a:t>
+            </a:r>
+          </a:p>
+          <a:p>
+            <a:r>
+              <a:rPr lang="en-US" sz="1000" dirty="0">
+                <a:solidFill>
+                  <a:srgbClr val="D4D4D4"/>
+                </a:solidFill>
+                <a:latin typeface="Consolas" panose="020B0609020204030204" pitchFamily="49" charset="0"/>
+              </a:rPr>
+              <a:t> </a:t>
+            </a:r>
+            <a:r>
+              <a:rPr lang="en-US" sz="1000" dirty="0" err="1">
+                <a:solidFill>
+                  <a:srgbClr val="D4D4D4"/>
+                </a:solidFill>
+                <a:latin typeface="Consolas" panose="020B0609020204030204" pitchFamily="49" charset="0"/>
+              </a:rPr>
+              <a:t>y.domain</a:t>
+            </a:r>
+            <a:r>
+              <a:rPr lang="en-US" sz="1000" dirty="0">
+                <a:solidFill>
+                  <a:srgbClr val="D4D4D4"/>
+                </a:solidFill>
+                <a:latin typeface="Consolas" panose="020B0609020204030204" pitchFamily="49" charset="0"/>
+              </a:rPr>
+              <a:t>([</a:t>
+            </a:r>
+            <a:r>
+              <a:rPr lang="en-US" sz="1000" dirty="0">
+                <a:solidFill>
+                  <a:srgbClr val="B5CEA8"/>
+                </a:solidFill>
+                <a:latin typeface="Consolas" panose="020B0609020204030204" pitchFamily="49" charset="0"/>
+              </a:rPr>
+              <a:t>0</a:t>
+            </a:r>
+            <a:r>
+              <a:rPr lang="en-US" sz="1000" dirty="0">
+                <a:solidFill>
+                  <a:srgbClr val="D4D4D4"/>
+                </a:solidFill>
+                <a:latin typeface="Consolas" panose="020B0609020204030204" pitchFamily="49" charset="0"/>
+              </a:rPr>
+              <a:t>, d3.max(data, </a:t>
+            </a:r>
+            <a:r>
+              <a:rPr lang="en-US" sz="1000" dirty="0">
+                <a:solidFill>
+                  <a:srgbClr val="569CD6"/>
+                </a:solidFill>
+                <a:latin typeface="Consolas" panose="020B0609020204030204" pitchFamily="49" charset="0"/>
+              </a:rPr>
+              <a:t>function</a:t>
+            </a:r>
+            <a:r>
+              <a:rPr lang="en-US" sz="1000" dirty="0">
+                <a:solidFill>
+                  <a:srgbClr val="D4D4D4"/>
+                </a:solidFill>
+                <a:latin typeface="Consolas" panose="020B0609020204030204" pitchFamily="49" charset="0"/>
+              </a:rPr>
+              <a:t>(d) { </a:t>
+            </a:r>
+            <a:r>
+              <a:rPr lang="en-US" sz="1000" dirty="0">
+                <a:solidFill>
+                  <a:srgbClr val="569CD6"/>
+                </a:solidFill>
+                <a:latin typeface="Consolas" panose="020B0609020204030204" pitchFamily="49" charset="0"/>
+              </a:rPr>
+              <a:t>return</a:t>
+            </a:r>
+            <a:r>
+              <a:rPr lang="en-US" sz="1000" dirty="0">
+                <a:solidFill>
+                  <a:srgbClr val="D4D4D4"/>
+                </a:solidFill>
+                <a:latin typeface="Consolas" panose="020B0609020204030204" pitchFamily="49" charset="0"/>
+              </a:rPr>
+              <a:t> </a:t>
+            </a:r>
+            <a:r>
+              <a:rPr lang="en-US" sz="1000" dirty="0" err="1">
+                <a:solidFill>
+                  <a:srgbClr val="D4D4D4"/>
+                </a:solidFill>
+                <a:latin typeface="Consolas" panose="020B0609020204030204" pitchFamily="49" charset="0"/>
+              </a:rPr>
+              <a:t>d.sales</a:t>
+            </a:r>
+            <a:r>
+              <a:rPr lang="en-US" sz="1000" dirty="0">
+                <a:solidFill>
+                  <a:srgbClr val="D4D4D4"/>
+                </a:solidFill>
+                <a:latin typeface="Consolas" panose="020B0609020204030204" pitchFamily="49" charset="0"/>
+              </a:rPr>
+              <a:t>; })]);</a:t>
+            </a:r>
+          </a:p>
+          <a:p>
+            <a:r>
+              <a:rPr lang="en-US" sz="1000" dirty="0">
+                <a:solidFill>
+                  <a:srgbClr val="D4D4D4"/>
+                </a:solidFill>
+                <a:latin typeface="Consolas" panose="020B0609020204030204" pitchFamily="49" charset="0"/>
+              </a:rPr>
+              <a:t> </a:t>
+            </a:r>
+            <a:r>
+              <a:rPr lang="en-US" sz="1000" dirty="0">
+                <a:solidFill>
+                  <a:srgbClr val="6A9955"/>
+                </a:solidFill>
+                <a:latin typeface="Consolas" panose="020B0609020204030204" pitchFamily="49" charset="0"/>
+              </a:rPr>
+              <a:t>// append the rectangles for the bar chart</a:t>
+            </a:r>
+            <a:endParaRPr lang="en-US" sz="1000" dirty="0">
+              <a:solidFill>
+                <a:srgbClr val="D4D4D4"/>
+              </a:solidFill>
+              <a:latin typeface="Consolas" panose="020B0609020204030204" pitchFamily="49" charset="0"/>
+            </a:endParaRPr>
+          </a:p>
+          <a:p>
+            <a:r>
+              <a:rPr lang="en-US" sz="1000" dirty="0">
+                <a:solidFill>
+                  <a:srgbClr val="D4D4D4"/>
+                </a:solidFill>
+                <a:latin typeface="Consolas" panose="020B0609020204030204" pitchFamily="49" charset="0"/>
+              </a:rPr>
+              <a:t> </a:t>
+            </a:r>
+            <a:r>
+              <a:rPr lang="en-US" sz="1000" dirty="0" err="1">
+                <a:solidFill>
+                  <a:srgbClr val="D4D4D4"/>
+                </a:solidFill>
+                <a:latin typeface="Consolas" panose="020B0609020204030204" pitchFamily="49" charset="0"/>
+              </a:rPr>
+              <a:t>svg.selectAll</a:t>
+            </a:r>
+            <a:r>
+              <a:rPr lang="en-US" sz="1000" dirty="0">
+                <a:solidFill>
+                  <a:srgbClr val="D4D4D4"/>
+                </a:solidFill>
+                <a:latin typeface="Consolas" panose="020B0609020204030204" pitchFamily="49" charset="0"/>
+              </a:rPr>
+              <a:t>(</a:t>
+            </a:r>
+            <a:r>
+              <a:rPr lang="en-US" sz="1000" dirty="0">
+                <a:solidFill>
+                  <a:srgbClr val="CE9178"/>
+                </a:solidFill>
+                <a:latin typeface="Consolas" panose="020B0609020204030204" pitchFamily="49" charset="0"/>
+              </a:rPr>
+              <a:t>".bar"</a:t>
+            </a:r>
+            <a:r>
+              <a:rPr lang="en-US" sz="1000" dirty="0">
+                <a:solidFill>
+                  <a:srgbClr val="D4D4D4"/>
+                </a:solidFill>
+                <a:latin typeface="Consolas" panose="020B0609020204030204" pitchFamily="49" charset="0"/>
+              </a:rPr>
+              <a:t>)</a:t>
+            </a:r>
+          </a:p>
+          <a:p>
+            <a:r>
+              <a:rPr lang="en-US" sz="1000" dirty="0">
+                <a:solidFill>
+                  <a:srgbClr val="D4D4D4"/>
+                </a:solidFill>
+                <a:latin typeface="Consolas" panose="020B0609020204030204" pitchFamily="49" charset="0"/>
+              </a:rPr>
+              <a:t>     .data(data)</a:t>
+            </a:r>
+          </a:p>
+          <a:p>
+            <a:r>
+              <a:rPr lang="en-US" sz="1000" dirty="0">
+                <a:solidFill>
+                  <a:srgbClr val="D4D4D4"/>
+                </a:solidFill>
+                <a:latin typeface="Consolas" panose="020B0609020204030204" pitchFamily="49" charset="0"/>
+              </a:rPr>
+              <a:t>   .enter().append(</a:t>
+            </a:r>
+            <a:r>
+              <a:rPr lang="en-US" sz="1000" dirty="0">
+                <a:solidFill>
+                  <a:srgbClr val="CE9178"/>
+                </a:solidFill>
+                <a:latin typeface="Consolas" panose="020B0609020204030204" pitchFamily="49" charset="0"/>
+              </a:rPr>
+              <a:t>"</a:t>
+            </a:r>
+            <a:r>
+              <a:rPr lang="en-US" sz="1000" dirty="0" err="1">
+                <a:solidFill>
+                  <a:srgbClr val="CE9178"/>
+                </a:solidFill>
+                <a:latin typeface="Consolas" panose="020B0609020204030204" pitchFamily="49" charset="0"/>
+              </a:rPr>
+              <a:t>rect</a:t>
+            </a:r>
+            <a:r>
+              <a:rPr lang="en-US" sz="1000" dirty="0">
+                <a:solidFill>
+                  <a:srgbClr val="CE9178"/>
+                </a:solidFill>
+                <a:latin typeface="Consolas" panose="020B0609020204030204" pitchFamily="49" charset="0"/>
+              </a:rPr>
+              <a:t>"</a:t>
+            </a:r>
+            <a:r>
+              <a:rPr lang="en-US" sz="1000" dirty="0">
+                <a:solidFill>
+                  <a:srgbClr val="D4D4D4"/>
+                </a:solidFill>
+                <a:latin typeface="Consolas" panose="020B0609020204030204" pitchFamily="49" charset="0"/>
+              </a:rPr>
+              <a:t>)</a:t>
+            </a:r>
+          </a:p>
+          <a:p>
+            <a:r>
+              <a:rPr lang="en-US" sz="1000" dirty="0">
+                <a:solidFill>
+                  <a:srgbClr val="D4D4D4"/>
+                </a:solidFill>
+                <a:latin typeface="Consolas" panose="020B0609020204030204" pitchFamily="49" charset="0"/>
+              </a:rPr>
+              <a:t>     .</a:t>
+            </a:r>
+            <a:r>
+              <a:rPr lang="en-US" sz="1000" dirty="0" err="1">
+                <a:solidFill>
+                  <a:srgbClr val="D4D4D4"/>
+                </a:solidFill>
+                <a:latin typeface="Consolas" panose="020B0609020204030204" pitchFamily="49" charset="0"/>
+              </a:rPr>
+              <a:t>attr</a:t>
+            </a:r>
+            <a:r>
+              <a:rPr lang="en-US" sz="1000" dirty="0">
+                <a:solidFill>
+                  <a:srgbClr val="D4D4D4"/>
+                </a:solidFill>
+                <a:latin typeface="Consolas" panose="020B0609020204030204" pitchFamily="49" charset="0"/>
+              </a:rPr>
+              <a:t>(</a:t>
+            </a:r>
+            <a:r>
+              <a:rPr lang="en-US" sz="1000" dirty="0">
+                <a:solidFill>
+                  <a:srgbClr val="CE9178"/>
+                </a:solidFill>
+                <a:latin typeface="Consolas" panose="020B0609020204030204" pitchFamily="49" charset="0"/>
+              </a:rPr>
+              <a:t>"class"</a:t>
+            </a:r>
+            <a:r>
+              <a:rPr lang="en-US" sz="1000" dirty="0">
+                <a:solidFill>
+                  <a:srgbClr val="D4D4D4"/>
+                </a:solidFill>
+                <a:latin typeface="Consolas" panose="020B0609020204030204" pitchFamily="49" charset="0"/>
+              </a:rPr>
+              <a:t>, </a:t>
+            </a:r>
+            <a:r>
+              <a:rPr lang="en-US" sz="1000" dirty="0">
+                <a:solidFill>
+                  <a:srgbClr val="CE9178"/>
+                </a:solidFill>
+                <a:latin typeface="Consolas" panose="020B0609020204030204" pitchFamily="49" charset="0"/>
+              </a:rPr>
+              <a:t>"bar"</a:t>
+            </a:r>
+            <a:r>
+              <a:rPr lang="en-US" sz="1000" dirty="0">
+                <a:solidFill>
+                  <a:srgbClr val="D4D4D4"/>
+                </a:solidFill>
+                <a:latin typeface="Consolas" panose="020B0609020204030204" pitchFamily="49" charset="0"/>
+              </a:rPr>
+              <a:t>)</a:t>
+            </a:r>
+          </a:p>
+          <a:p>
+            <a:r>
+              <a:rPr lang="en-US" sz="1000" dirty="0">
+                <a:solidFill>
+                  <a:srgbClr val="D4D4D4"/>
+                </a:solidFill>
+                <a:latin typeface="Consolas" panose="020B0609020204030204" pitchFamily="49" charset="0"/>
+              </a:rPr>
+              <a:t>     .</a:t>
+            </a:r>
+            <a:r>
+              <a:rPr lang="en-US" sz="1000" dirty="0" err="1">
+                <a:solidFill>
+                  <a:srgbClr val="D4D4D4"/>
+                </a:solidFill>
+                <a:latin typeface="Consolas" panose="020B0609020204030204" pitchFamily="49" charset="0"/>
+              </a:rPr>
+              <a:t>attr</a:t>
+            </a:r>
+            <a:r>
+              <a:rPr lang="en-US" sz="1000" dirty="0">
+                <a:solidFill>
+                  <a:srgbClr val="D4D4D4"/>
+                </a:solidFill>
+                <a:latin typeface="Consolas" panose="020B0609020204030204" pitchFamily="49" charset="0"/>
+              </a:rPr>
+              <a:t>(</a:t>
+            </a:r>
+            <a:r>
+              <a:rPr lang="en-US" sz="1000" dirty="0">
+                <a:solidFill>
+                  <a:srgbClr val="CE9178"/>
+                </a:solidFill>
+                <a:latin typeface="Consolas" panose="020B0609020204030204" pitchFamily="49" charset="0"/>
+              </a:rPr>
+              <a:t>"x"</a:t>
+            </a:r>
+            <a:r>
+              <a:rPr lang="en-US" sz="1000" dirty="0">
+                <a:solidFill>
+                  <a:srgbClr val="D4D4D4"/>
+                </a:solidFill>
+                <a:latin typeface="Consolas" panose="020B0609020204030204" pitchFamily="49" charset="0"/>
+              </a:rPr>
+              <a:t>, </a:t>
+            </a:r>
+            <a:r>
+              <a:rPr lang="en-US" sz="1000" dirty="0">
+                <a:solidFill>
+                  <a:srgbClr val="569CD6"/>
+                </a:solidFill>
+                <a:latin typeface="Consolas" panose="020B0609020204030204" pitchFamily="49" charset="0"/>
+              </a:rPr>
+              <a:t>function</a:t>
+            </a:r>
+            <a:r>
+              <a:rPr lang="en-US" sz="1000" dirty="0">
+                <a:solidFill>
+                  <a:srgbClr val="D4D4D4"/>
+                </a:solidFill>
+                <a:latin typeface="Consolas" panose="020B0609020204030204" pitchFamily="49" charset="0"/>
+              </a:rPr>
+              <a:t>(d) { </a:t>
+            </a:r>
+            <a:r>
+              <a:rPr lang="en-US" sz="1000" dirty="0">
+                <a:solidFill>
+                  <a:srgbClr val="569CD6"/>
+                </a:solidFill>
+                <a:latin typeface="Consolas" panose="020B0609020204030204" pitchFamily="49" charset="0"/>
+              </a:rPr>
+              <a:t>return</a:t>
+            </a:r>
+            <a:r>
+              <a:rPr lang="en-US" sz="1000" dirty="0">
+                <a:solidFill>
+                  <a:srgbClr val="D4D4D4"/>
+                </a:solidFill>
+                <a:latin typeface="Consolas" panose="020B0609020204030204" pitchFamily="49" charset="0"/>
+              </a:rPr>
+              <a:t> x(</a:t>
+            </a:r>
+            <a:r>
+              <a:rPr lang="en-US" sz="1000" dirty="0" err="1">
+                <a:solidFill>
+                  <a:srgbClr val="D4D4D4"/>
+                </a:solidFill>
+                <a:latin typeface="Consolas" panose="020B0609020204030204" pitchFamily="49" charset="0"/>
+              </a:rPr>
+              <a:t>d.salesperson</a:t>
+            </a:r>
+            <a:r>
+              <a:rPr lang="en-US" sz="1000" dirty="0">
+                <a:solidFill>
+                  <a:srgbClr val="D4D4D4"/>
+                </a:solidFill>
+                <a:latin typeface="Consolas" panose="020B0609020204030204" pitchFamily="49" charset="0"/>
+              </a:rPr>
+              <a:t>); })</a:t>
+            </a:r>
+          </a:p>
+          <a:p>
+            <a:r>
+              <a:rPr lang="en-US" sz="1000" dirty="0">
+                <a:solidFill>
+                  <a:srgbClr val="D4D4D4"/>
+                </a:solidFill>
+                <a:latin typeface="Consolas" panose="020B0609020204030204" pitchFamily="49" charset="0"/>
+              </a:rPr>
+              <a:t>     .</a:t>
+            </a:r>
+            <a:r>
+              <a:rPr lang="en-US" sz="1000" dirty="0" err="1">
+                <a:solidFill>
+                  <a:srgbClr val="D4D4D4"/>
+                </a:solidFill>
+                <a:latin typeface="Consolas" panose="020B0609020204030204" pitchFamily="49" charset="0"/>
+              </a:rPr>
+              <a:t>attr</a:t>
+            </a:r>
+            <a:r>
+              <a:rPr lang="en-US" sz="1000" dirty="0">
+                <a:solidFill>
+                  <a:srgbClr val="D4D4D4"/>
+                </a:solidFill>
+                <a:latin typeface="Consolas" panose="020B0609020204030204" pitchFamily="49" charset="0"/>
+              </a:rPr>
+              <a:t>(</a:t>
+            </a:r>
+            <a:r>
+              <a:rPr lang="en-US" sz="1000" dirty="0">
+                <a:solidFill>
+                  <a:srgbClr val="CE9178"/>
+                </a:solidFill>
+                <a:latin typeface="Consolas" panose="020B0609020204030204" pitchFamily="49" charset="0"/>
+              </a:rPr>
+              <a:t>"width"</a:t>
+            </a:r>
+            <a:r>
+              <a:rPr lang="en-US" sz="1000" dirty="0">
+                <a:solidFill>
+                  <a:srgbClr val="D4D4D4"/>
+                </a:solidFill>
+                <a:latin typeface="Consolas" panose="020B0609020204030204" pitchFamily="49" charset="0"/>
+              </a:rPr>
+              <a:t>, </a:t>
+            </a:r>
+            <a:r>
+              <a:rPr lang="en-US" sz="1000" dirty="0" err="1">
+                <a:solidFill>
+                  <a:srgbClr val="D4D4D4"/>
+                </a:solidFill>
+                <a:latin typeface="Consolas" panose="020B0609020204030204" pitchFamily="49" charset="0"/>
+              </a:rPr>
+              <a:t>x.bandwidth</a:t>
+            </a:r>
+            <a:r>
+              <a:rPr lang="en-US" sz="1000" dirty="0">
+                <a:solidFill>
+                  <a:srgbClr val="D4D4D4"/>
+                </a:solidFill>
+                <a:latin typeface="Consolas" panose="020B0609020204030204" pitchFamily="49" charset="0"/>
+              </a:rPr>
+              <a:t>())</a:t>
+            </a:r>
+          </a:p>
+          <a:p>
+            <a:r>
+              <a:rPr lang="en-US" sz="1000" dirty="0">
+                <a:solidFill>
+                  <a:srgbClr val="D4D4D4"/>
+                </a:solidFill>
+                <a:latin typeface="Consolas" panose="020B0609020204030204" pitchFamily="49" charset="0"/>
+              </a:rPr>
+              <a:t>     .</a:t>
+            </a:r>
+            <a:r>
+              <a:rPr lang="en-US" sz="1000" dirty="0" err="1">
+                <a:solidFill>
+                  <a:srgbClr val="D4D4D4"/>
+                </a:solidFill>
+                <a:latin typeface="Consolas" panose="020B0609020204030204" pitchFamily="49" charset="0"/>
+              </a:rPr>
+              <a:t>attr</a:t>
+            </a:r>
+            <a:r>
+              <a:rPr lang="en-US" sz="1000" dirty="0">
+                <a:solidFill>
+                  <a:srgbClr val="D4D4D4"/>
+                </a:solidFill>
+                <a:latin typeface="Consolas" panose="020B0609020204030204" pitchFamily="49" charset="0"/>
+              </a:rPr>
+              <a:t>(</a:t>
+            </a:r>
+            <a:r>
+              <a:rPr lang="en-US" sz="1000" dirty="0">
+                <a:solidFill>
+                  <a:srgbClr val="CE9178"/>
+                </a:solidFill>
+                <a:latin typeface="Consolas" panose="020B0609020204030204" pitchFamily="49" charset="0"/>
+              </a:rPr>
+              <a:t>"y"</a:t>
+            </a:r>
+            <a:r>
+              <a:rPr lang="en-US" sz="1000" dirty="0">
+                <a:solidFill>
+                  <a:srgbClr val="D4D4D4"/>
+                </a:solidFill>
+                <a:latin typeface="Consolas" panose="020B0609020204030204" pitchFamily="49" charset="0"/>
+              </a:rPr>
+              <a:t>, </a:t>
+            </a:r>
+            <a:r>
+              <a:rPr lang="en-US" sz="1000" dirty="0">
+                <a:solidFill>
+                  <a:srgbClr val="569CD6"/>
+                </a:solidFill>
+                <a:latin typeface="Consolas" panose="020B0609020204030204" pitchFamily="49" charset="0"/>
+              </a:rPr>
+              <a:t>function</a:t>
+            </a:r>
+            <a:r>
+              <a:rPr lang="en-US" sz="1000" dirty="0">
+                <a:solidFill>
+                  <a:srgbClr val="D4D4D4"/>
+                </a:solidFill>
+                <a:latin typeface="Consolas" panose="020B0609020204030204" pitchFamily="49" charset="0"/>
+              </a:rPr>
+              <a:t>(d) { </a:t>
+            </a:r>
+            <a:r>
+              <a:rPr lang="en-US" sz="1000" dirty="0">
+                <a:solidFill>
+                  <a:srgbClr val="569CD6"/>
+                </a:solidFill>
+                <a:latin typeface="Consolas" panose="020B0609020204030204" pitchFamily="49" charset="0"/>
+              </a:rPr>
+              <a:t>return</a:t>
+            </a:r>
+            <a:r>
+              <a:rPr lang="en-US" sz="1000" dirty="0">
+                <a:solidFill>
+                  <a:srgbClr val="D4D4D4"/>
+                </a:solidFill>
+                <a:latin typeface="Consolas" panose="020B0609020204030204" pitchFamily="49" charset="0"/>
+              </a:rPr>
+              <a:t> y(</a:t>
+            </a:r>
+            <a:r>
+              <a:rPr lang="en-US" sz="1000" dirty="0" err="1">
+                <a:solidFill>
+                  <a:srgbClr val="D4D4D4"/>
+                </a:solidFill>
+                <a:latin typeface="Consolas" panose="020B0609020204030204" pitchFamily="49" charset="0"/>
+              </a:rPr>
+              <a:t>d.sales</a:t>
+            </a:r>
+            <a:r>
+              <a:rPr lang="en-US" sz="1000" dirty="0">
+                <a:solidFill>
+                  <a:srgbClr val="D4D4D4"/>
+                </a:solidFill>
+                <a:latin typeface="Consolas" panose="020B0609020204030204" pitchFamily="49" charset="0"/>
+              </a:rPr>
+              <a:t>); })</a:t>
+            </a:r>
+          </a:p>
+          <a:p>
+            <a:r>
+              <a:rPr lang="en-US" sz="1000" dirty="0">
+                <a:solidFill>
+                  <a:srgbClr val="D4D4D4"/>
+                </a:solidFill>
+                <a:latin typeface="Consolas" panose="020B0609020204030204" pitchFamily="49" charset="0"/>
+              </a:rPr>
+              <a:t>     .</a:t>
+            </a:r>
+            <a:r>
+              <a:rPr lang="en-US" sz="1000" dirty="0" err="1">
+                <a:solidFill>
+                  <a:srgbClr val="D4D4D4"/>
+                </a:solidFill>
+                <a:latin typeface="Consolas" panose="020B0609020204030204" pitchFamily="49" charset="0"/>
+              </a:rPr>
+              <a:t>attr</a:t>
+            </a:r>
+            <a:r>
+              <a:rPr lang="en-US" sz="1000" dirty="0">
+                <a:solidFill>
+                  <a:srgbClr val="D4D4D4"/>
+                </a:solidFill>
+                <a:latin typeface="Consolas" panose="020B0609020204030204" pitchFamily="49" charset="0"/>
+              </a:rPr>
+              <a:t>(</a:t>
+            </a:r>
+            <a:r>
+              <a:rPr lang="en-US" sz="1000" dirty="0">
+                <a:solidFill>
+                  <a:srgbClr val="CE9178"/>
+                </a:solidFill>
+                <a:latin typeface="Consolas" panose="020B0609020204030204" pitchFamily="49" charset="0"/>
+              </a:rPr>
+              <a:t>"height"</a:t>
+            </a:r>
+            <a:r>
+              <a:rPr lang="en-US" sz="1000" dirty="0">
+                <a:solidFill>
+                  <a:srgbClr val="D4D4D4"/>
+                </a:solidFill>
+                <a:latin typeface="Consolas" panose="020B0609020204030204" pitchFamily="49" charset="0"/>
+              </a:rPr>
+              <a:t>, </a:t>
+            </a:r>
+            <a:r>
+              <a:rPr lang="en-US" sz="1000" dirty="0">
+                <a:solidFill>
+                  <a:srgbClr val="569CD6"/>
+                </a:solidFill>
+                <a:latin typeface="Consolas" panose="020B0609020204030204" pitchFamily="49" charset="0"/>
+              </a:rPr>
+              <a:t>function</a:t>
+            </a:r>
+            <a:r>
+              <a:rPr lang="en-US" sz="1000" dirty="0">
+                <a:solidFill>
+                  <a:srgbClr val="D4D4D4"/>
+                </a:solidFill>
+                <a:latin typeface="Consolas" panose="020B0609020204030204" pitchFamily="49" charset="0"/>
+              </a:rPr>
+              <a:t>(d) { </a:t>
+            </a:r>
+            <a:r>
+              <a:rPr lang="en-US" sz="1000" dirty="0">
+                <a:solidFill>
+                  <a:srgbClr val="569CD6"/>
+                </a:solidFill>
+                <a:latin typeface="Consolas" panose="020B0609020204030204" pitchFamily="49" charset="0"/>
+              </a:rPr>
+              <a:t>return</a:t>
+            </a:r>
+            <a:r>
+              <a:rPr lang="en-US" sz="1000" dirty="0">
+                <a:solidFill>
+                  <a:srgbClr val="D4D4D4"/>
+                </a:solidFill>
+                <a:latin typeface="Consolas" panose="020B0609020204030204" pitchFamily="49" charset="0"/>
+              </a:rPr>
+              <a:t> height - y(</a:t>
+            </a:r>
+            <a:r>
+              <a:rPr lang="en-US" sz="1000" dirty="0" err="1">
+                <a:solidFill>
+                  <a:srgbClr val="D4D4D4"/>
+                </a:solidFill>
+                <a:latin typeface="Consolas" panose="020B0609020204030204" pitchFamily="49" charset="0"/>
+              </a:rPr>
+              <a:t>d.sales</a:t>
+            </a:r>
+            <a:r>
+              <a:rPr lang="en-US" sz="1000" dirty="0">
+                <a:solidFill>
+                  <a:srgbClr val="D4D4D4"/>
+                </a:solidFill>
+                <a:latin typeface="Consolas" panose="020B0609020204030204" pitchFamily="49" charset="0"/>
+              </a:rPr>
+              <a:t>); });</a:t>
+            </a:r>
+          </a:p>
+          <a:p>
+            <a:r>
+              <a:rPr lang="en-US" sz="1000" dirty="0">
+                <a:solidFill>
+                  <a:srgbClr val="D4D4D4"/>
+                </a:solidFill>
+                <a:latin typeface="Consolas" panose="020B0609020204030204" pitchFamily="49" charset="0"/>
+              </a:rPr>
+              <a:t> </a:t>
+            </a:r>
+            <a:r>
+              <a:rPr lang="en-US" sz="1000" dirty="0">
+                <a:solidFill>
+                  <a:srgbClr val="6A9955"/>
+                </a:solidFill>
+                <a:latin typeface="Consolas" panose="020B0609020204030204" pitchFamily="49" charset="0"/>
+              </a:rPr>
+              <a:t>// add the x Axis</a:t>
+            </a:r>
+            <a:endParaRPr lang="en-US" sz="1000" dirty="0">
+              <a:solidFill>
+                <a:srgbClr val="D4D4D4"/>
+              </a:solidFill>
+              <a:latin typeface="Consolas" panose="020B0609020204030204" pitchFamily="49" charset="0"/>
+            </a:endParaRPr>
+          </a:p>
+          <a:p>
+            <a:r>
+              <a:rPr lang="en-US" sz="1000" dirty="0">
+                <a:solidFill>
+                  <a:srgbClr val="D4D4D4"/>
+                </a:solidFill>
+                <a:latin typeface="Consolas" panose="020B0609020204030204" pitchFamily="49" charset="0"/>
+              </a:rPr>
+              <a:t> </a:t>
+            </a:r>
+            <a:r>
+              <a:rPr lang="en-US" sz="1000" dirty="0" err="1">
+                <a:solidFill>
+                  <a:srgbClr val="D4D4D4"/>
+                </a:solidFill>
+                <a:latin typeface="Consolas" panose="020B0609020204030204" pitchFamily="49" charset="0"/>
+              </a:rPr>
+              <a:t>svg.append</a:t>
+            </a:r>
+            <a:r>
+              <a:rPr lang="en-US" sz="1000" dirty="0">
+                <a:solidFill>
+                  <a:srgbClr val="D4D4D4"/>
+                </a:solidFill>
+                <a:latin typeface="Consolas" panose="020B0609020204030204" pitchFamily="49" charset="0"/>
+              </a:rPr>
+              <a:t>(</a:t>
+            </a:r>
+            <a:r>
+              <a:rPr lang="en-US" sz="1000" dirty="0">
+                <a:solidFill>
+                  <a:srgbClr val="CE9178"/>
+                </a:solidFill>
+                <a:latin typeface="Consolas" panose="020B0609020204030204" pitchFamily="49" charset="0"/>
+              </a:rPr>
+              <a:t>"g"</a:t>
+            </a:r>
+            <a:r>
+              <a:rPr lang="en-US" sz="1000" dirty="0">
+                <a:solidFill>
+                  <a:srgbClr val="D4D4D4"/>
+                </a:solidFill>
+                <a:latin typeface="Consolas" panose="020B0609020204030204" pitchFamily="49" charset="0"/>
+              </a:rPr>
+              <a:t>)</a:t>
+            </a:r>
+          </a:p>
+          <a:p>
+            <a:r>
+              <a:rPr lang="en-US" sz="1000" dirty="0">
+                <a:solidFill>
+                  <a:srgbClr val="D4D4D4"/>
+                </a:solidFill>
+                <a:latin typeface="Consolas" panose="020B0609020204030204" pitchFamily="49" charset="0"/>
+              </a:rPr>
+              <a:t>     .</a:t>
+            </a:r>
+            <a:r>
+              <a:rPr lang="en-US" sz="1000" dirty="0" err="1">
+                <a:solidFill>
+                  <a:srgbClr val="D4D4D4"/>
+                </a:solidFill>
+                <a:latin typeface="Consolas" panose="020B0609020204030204" pitchFamily="49" charset="0"/>
+              </a:rPr>
+              <a:t>attr</a:t>
+            </a:r>
+            <a:r>
+              <a:rPr lang="en-US" sz="1000" dirty="0">
+                <a:solidFill>
+                  <a:srgbClr val="D4D4D4"/>
+                </a:solidFill>
+                <a:latin typeface="Consolas" panose="020B0609020204030204" pitchFamily="49" charset="0"/>
+              </a:rPr>
+              <a:t>(</a:t>
+            </a:r>
+            <a:r>
+              <a:rPr lang="en-US" sz="1000" dirty="0">
+                <a:solidFill>
+                  <a:srgbClr val="CE9178"/>
+                </a:solidFill>
+                <a:latin typeface="Consolas" panose="020B0609020204030204" pitchFamily="49" charset="0"/>
+              </a:rPr>
+              <a:t>"transform"</a:t>
+            </a:r>
+            <a:r>
+              <a:rPr lang="en-US" sz="1000" dirty="0">
+                <a:solidFill>
+                  <a:srgbClr val="D4D4D4"/>
+                </a:solidFill>
+                <a:latin typeface="Consolas" panose="020B0609020204030204" pitchFamily="49" charset="0"/>
+              </a:rPr>
+              <a:t>, </a:t>
+            </a:r>
+            <a:r>
+              <a:rPr lang="en-US" sz="1000" dirty="0">
+                <a:solidFill>
+                  <a:srgbClr val="CE9178"/>
+                </a:solidFill>
+                <a:latin typeface="Consolas" panose="020B0609020204030204" pitchFamily="49" charset="0"/>
+              </a:rPr>
+              <a:t>"translate(0,"</a:t>
+            </a:r>
+            <a:r>
+              <a:rPr lang="en-US" sz="1000" dirty="0">
+                <a:solidFill>
+                  <a:srgbClr val="D4D4D4"/>
+                </a:solidFill>
+                <a:latin typeface="Consolas" panose="020B0609020204030204" pitchFamily="49" charset="0"/>
+              </a:rPr>
+              <a:t> + height + </a:t>
+            </a:r>
+            <a:r>
+              <a:rPr lang="en-US" sz="1000" dirty="0">
+                <a:solidFill>
+                  <a:srgbClr val="CE9178"/>
+                </a:solidFill>
+                <a:latin typeface="Consolas" panose="020B0609020204030204" pitchFamily="49" charset="0"/>
+              </a:rPr>
+              <a:t>")"</a:t>
+            </a:r>
+            <a:r>
+              <a:rPr lang="en-US" sz="1000" dirty="0">
+                <a:solidFill>
+                  <a:srgbClr val="D4D4D4"/>
+                </a:solidFill>
+                <a:latin typeface="Consolas" panose="020B0609020204030204" pitchFamily="49" charset="0"/>
+              </a:rPr>
+              <a:t>)</a:t>
+            </a:r>
+          </a:p>
+          <a:p>
+            <a:r>
+              <a:rPr lang="en-US" sz="1000" dirty="0">
+                <a:solidFill>
+                  <a:srgbClr val="D4D4D4"/>
+                </a:solidFill>
+                <a:latin typeface="Consolas" panose="020B0609020204030204" pitchFamily="49" charset="0"/>
+              </a:rPr>
+              <a:t>     .call(d3.axisBottom(x));</a:t>
+            </a:r>
+          </a:p>
+          <a:p>
+            <a:r>
+              <a:rPr lang="en-US" sz="1000" dirty="0">
+                <a:solidFill>
+                  <a:srgbClr val="D4D4D4"/>
+                </a:solidFill>
+                <a:latin typeface="Consolas" panose="020B0609020204030204" pitchFamily="49" charset="0"/>
+              </a:rPr>
+              <a:t> </a:t>
+            </a:r>
+            <a:r>
+              <a:rPr lang="en-US" sz="1000" dirty="0">
+                <a:solidFill>
+                  <a:srgbClr val="6A9955"/>
+                </a:solidFill>
+                <a:latin typeface="Consolas" panose="020B0609020204030204" pitchFamily="49" charset="0"/>
+              </a:rPr>
+              <a:t>// add the y Axis</a:t>
+            </a:r>
+            <a:endParaRPr lang="en-US" sz="1000" dirty="0">
+              <a:solidFill>
+                <a:srgbClr val="D4D4D4"/>
+              </a:solidFill>
+              <a:latin typeface="Consolas" panose="020B0609020204030204" pitchFamily="49" charset="0"/>
+            </a:endParaRPr>
+          </a:p>
+          <a:p>
+            <a:r>
+              <a:rPr lang="en-US" sz="1000" dirty="0">
+                <a:solidFill>
+                  <a:srgbClr val="D4D4D4"/>
+                </a:solidFill>
+                <a:latin typeface="Consolas" panose="020B0609020204030204" pitchFamily="49" charset="0"/>
+              </a:rPr>
+              <a:t> </a:t>
+            </a:r>
+            <a:r>
+              <a:rPr lang="en-US" sz="1000" dirty="0" err="1">
+                <a:solidFill>
+                  <a:srgbClr val="D4D4D4"/>
+                </a:solidFill>
+                <a:latin typeface="Consolas" panose="020B0609020204030204" pitchFamily="49" charset="0"/>
+              </a:rPr>
+              <a:t>svg.append</a:t>
+            </a:r>
+            <a:r>
+              <a:rPr lang="en-US" sz="1000" dirty="0">
+                <a:solidFill>
+                  <a:srgbClr val="D4D4D4"/>
+                </a:solidFill>
+                <a:latin typeface="Consolas" panose="020B0609020204030204" pitchFamily="49" charset="0"/>
+              </a:rPr>
+              <a:t>(</a:t>
+            </a:r>
+            <a:r>
+              <a:rPr lang="en-US" sz="1000" dirty="0">
+                <a:solidFill>
+                  <a:srgbClr val="CE9178"/>
+                </a:solidFill>
+                <a:latin typeface="Consolas" panose="020B0609020204030204" pitchFamily="49" charset="0"/>
+              </a:rPr>
+              <a:t>"g"</a:t>
+            </a:r>
+            <a:r>
+              <a:rPr lang="en-US" sz="1000" dirty="0">
+                <a:solidFill>
+                  <a:srgbClr val="D4D4D4"/>
+                </a:solidFill>
+                <a:latin typeface="Consolas" panose="020B0609020204030204" pitchFamily="49" charset="0"/>
+              </a:rPr>
+              <a:t>)</a:t>
+            </a:r>
+          </a:p>
+          <a:p>
+            <a:r>
+              <a:rPr lang="en-US" sz="1000" dirty="0">
+                <a:solidFill>
+                  <a:srgbClr val="D4D4D4"/>
+                </a:solidFill>
+                <a:latin typeface="Consolas" panose="020B0609020204030204" pitchFamily="49" charset="0"/>
+              </a:rPr>
+              <a:t>     .call(d3.axisLeft(y));</a:t>
+            </a:r>
+          </a:p>
+          <a:p>
+            <a:r>
+              <a:rPr lang="en-US" sz="1000" dirty="0">
+                <a:solidFill>
+                  <a:srgbClr val="D4D4D4"/>
+                </a:solidFill>
+                <a:latin typeface="Consolas" panose="020B0609020204030204" pitchFamily="49" charset="0"/>
+              </a:rPr>
+              <a:t>});</a:t>
+            </a:r>
+          </a:p>
+          <a:p>
+            <a:r>
+              <a:rPr lang="en-US" sz="1000" dirty="0">
+                <a:solidFill>
+                  <a:srgbClr val="808080"/>
+                </a:solidFill>
+                <a:latin typeface="Consolas" panose="020B0609020204030204" pitchFamily="49" charset="0"/>
+              </a:rPr>
+              <a:t>&lt;/</a:t>
+            </a:r>
+            <a:r>
+              <a:rPr lang="en-US" sz="1000" dirty="0">
+                <a:solidFill>
+                  <a:srgbClr val="569CD6"/>
+                </a:solidFill>
+                <a:latin typeface="Consolas" panose="020B0609020204030204" pitchFamily="49" charset="0"/>
+              </a:rPr>
+              <a:t>script</a:t>
+            </a:r>
+            <a:r>
+              <a:rPr lang="en-US" sz="1000" dirty="0">
+                <a:solidFill>
+                  <a:srgbClr val="808080"/>
+                </a:solidFill>
+                <a:latin typeface="Consolas" panose="020B0609020204030204" pitchFamily="49" charset="0"/>
+              </a:rPr>
+              <a:t>&gt;</a:t>
+            </a:r>
+            <a:endParaRPr lang="en-US" sz="1000" dirty="0">
+              <a:solidFill>
+                <a:srgbClr val="D4D4D4"/>
+              </a:solidFill>
+              <a:latin typeface="Consolas" panose="020B0609020204030204" pitchFamily="49" charset="0"/>
+            </a:endParaRPr>
+          </a:p>
+          <a:p>
+            <a:r>
+              <a:rPr lang="en-US" sz="1000" dirty="0">
+                <a:solidFill>
+                  <a:srgbClr val="808080"/>
+                </a:solidFill>
+                <a:latin typeface="Consolas" panose="020B0609020204030204" pitchFamily="49" charset="0"/>
+              </a:rPr>
+              <a:t>&lt;/</a:t>
+            </a:r>
+            <a:r>
+              <a:rPr lang="en-US" sz="1000" dirty="0">
+                <a:solidFill>
+                  <a:srgbClr val="569CD6"/>
+                </a:solidFill>
+                <a:latin typeface="Consolas" panose="020B0609020204030204" pitchFamily="49" charset="0"/>
+              </a:rPr>
+              <a:t>body</a:t>
+            </a:r>
+            <a:r>
+              <a:rPr lang="en-US" sz="1000" dirty="0">
+                <a:solidFill>
+                  <a:srgbClr val="808080"/>
+                </a:solidFill>
+                <a:latin typeface="Consolas" panose="020B0609020204030204" pitchFamily="49" charset="0"/>
+              </a:rPr>
+              <a:t>&gt;</a:t>
+            </a:r>
+            <a:endParaRPr lang="en-US" sz="1000" dirty="0">
+              <a:solidFill>
+                <a:srgbClr val="D4D4D4"/>
+              </a:solidFill>
+              <a:latin typeface="Consolas" panose="020B0609020204030204" pitchFamily="49" charset="0"/>
+            </a:endParaRPr>
+          </a:p>
+        </p:txBody>
+      </p:sp>
+      <p:pic>
+        <p:nvPicPr>
+          <p:cNvPr id="10" name="Picture 9">
+            <a:extLst>
+              <a:ext uri="{FF2B5EF4-FFF2-40B4-BE49-F238E27FC236}">
+                <a16:creationId xmlns:a16="http://schemas.microsoft.com/office/drawing/2014/main" id="{ADB6CBF0-91F7-4E1A-9631-07537538D108}"/>
+              </a:ext>
+            </a:extLst>
+          </p:cNvPr>
+          <p:cNvPicPr>
+            <a:picLocks noChangeAspect="1"/>
+          </p:cNvPicPr>
+          <p:nvPr/>
+        </p:nvPicPr>
+        <p:blipFill rotWithShape="1">
+          <a:blip r:embed="rId2"/>
+          <a:srcRect b="81578"/>
+          <a:stretch/>
+        </p:blipFill>
+        <p:spPr>
+          <a:xfrm>
+            <a:off x="101600" y="6531054"/>
+            <a:ext cx="3549904" cy="331028"/>
+          </a:xfrm>
+          <a:prstGeom prst="rect">
+            <a:avLst/>
+          </a:prstGeom>
+        </p:spPr>
+      </p:pic>
+    </p:spTree>
+    <p:extLst>
+      <p:ext uri="{BB962C8B-B14F-4D97-AF65-F5344CB8AC3E}">
+        <p14:creationId xmlns:p14="http://schemas.microsoft.com/office/powerpoint/2010/main" val="3518123487"/>
+      </p:ext>
+    </p:extLst>
+  </p:cSld>
+  <p:clrMapOvr>
+    <a:masterClrMapping/>
+  </p:clrMapOvr>
+</p:sld>
+</file>
+
+<file path=ppt/slides/slide7.xml><?xml version="1.0" encoding="utf-8"?>
+<p:sld xmlns:a="http://schemas.openxmlformats.org/drawingml/2006/main" xmlns:r="http://schemas.openxmlformats.org/officeDocument/2006/relationships" xmlns:p="http://schemas.openxmlformats.org/presentationml/2006/main">
+  <p:cSld>
+    <p:spTree>
+      <p:nvGrpSpPr>
+        <p:cNvPr id="1" name=""/>
+        <p:cNvGrpSpPr/>
+        <p:nvPr/>
+      </p:nvGrpSpPr>
+      <p:grpSpPr>
+        <a:xfrm>
+          <a:off x="0" y="0"/>
+          <a:ext cx="0" cy="0"/>
+          <a:chOff x="0" y="0"/>
+          <a:chExt cx="0" cy="0"/>
+        </a:xfrm>
+      </p:grpSpPr>
+      <p:sp>
+        <p:nvSpPr>
+          <p:cNvPr id="5" name="Google Shape;70;p15">
+            <a:extLst>
+              <a:ext uri="{FF2B5EF4-FFF2-40B4-BE49-F238E27FC236}">
+                <a16:creationId xmlns:a16="http://schemas.microsoft.com/office/drawing/2014/main" id="{0ED5BF42-F560-1E43-B7A6-853003259B35}"/>
+              </a:ext>
+            </a:extLst>
+          </p:cNvPr>
+          <p:cNvSpPr txBox="1">
+            <a:spLocks/>
+          </p:cNvSpPr>
+          <p:nvPr/>
+        </p:nvSpPr>
+        <p:spPr>
+          <a:xfrm>
+            <a:off x="311700" y="445025"/>
+            <a:ext cx="8520600" cy="623400"/>
+          </a:xfrm>
+          <a:prstGeom prst="rect">
+            <a:avLst/>
+          </a:prstGeom>
+          <a:noFill/>
+          <a:ln>
+            <a:noFill/>
+          </a:ln>
+        </p:spPr>
+        <p:txBody>
+          <a:bodyPr spcFirstLastPara="1" wrap="square" lIns="91425" tIns="91425" rIns="91425" bIns="91425" anchor="t" anchorCtr="0">
+            <a:noAutofit/>
+          </a:bodyPr>
+          <a:lstStyle>
+            <a:defPPr marR="0" lvl="0" algn="l" rtl="0">
+              <a:lnSpc>
+                <a:spcPct val="100000"/>
+              </a:lnSpc>
+              <a:spcBef>
+                <a:spcPts val="0"/>
+              </a:spcBef>
+              <a:spcAft>
+                <a:spcPts val="0"/>
+              </a:spcAft>
+            </a:defPPr>
+            <a:lvl1pPr marR="0" lvl="0" algn="l" rtl="0">
+              <a:lnSpc>
+                <a:spcPct val="100000"/>
+              </a:lnSpc>
+              <a:spcBef>
+                <a:spcPts val="0"/>
+              </a:spcBef>
+              <a:spcAft>
+                <a:spcPts val="0"/>
+              </a:spcAft>
+              <a:buClr>
+                <a:schemeClr val="dk2"/>
+              </a:buClr>
+              <a:buSzPts val="3000"/>
+              <a:buFont typeface="Raleway"/>
+              <a:buNone/>
+              <a:defRPr sz="3000" b="1" i="0" u="none" strike="noStrike" cap="none">
+                <a:solidFill>
+                  <a:schemeClr val="dk2"/>
+                </a:solidFill>
+                <a:latin typeface="Raleway"/>
+                <a:ea typeface="Raleway"/>
+                <a:cs typeface="Raleway"/>
+                <a:sym typeface="Raleway"/>
+              </a:defRPr>
+            </a:lvl1pPr>
+            <a:lvl2pPr marR="0" lvl="1" algn="l" rtl="0">
+              <a:lnSpc>
+                <a:spcPct val="100000"/>
+              </a:lnSpc>
+              <a:spcBef>
+                <a:spcPts val="0"/>
+              </a:spcBef>
+              <a:spcAft>
+                <a:spcPts val="0"/>
+              </a:spcAft>
+              <a:buClr>
+                <a:schemeClr val="dk2"/>
+              </a:buClr>
+              <a:buSzPts val="3000"/>
+              <a:buFont typeface="Raleway"/>
+              <a:buNone/>
+              <a:defRPr sz="3000" b="1" i="0" u="none" strike="noStrike" cap="none">
+                <a:solidFill>
+                  <a:schemeClr val="dk2"/>
+                </a:solidFill>
+                <a:latin typeface="Raleway"/>
+                <a:ea typeface="Raleway"/>
+                <a:cs typeface="Raleway"/>
+                <a:sym typeface="Raleway"/>
+              </a:defRPr>
+            </a:lvl2pPr>
+            <a:lvl3pPr marR="0" lvl="2" algn="l" rtl="0">
+              <a:lnSpc>
+                <a:spcPct val="100000"/>
+              </a:lnSpc>
+              <a:spcBef>
+                <a:spcPts val="0"/>
+              </a:spcBef>
+              <a:spcAft>
+                <a:spcPts val="0"/>
+              </a:spcAft>
+              <a:buClr>
+                <a:schemeClr val="dk2"/>
+              </a:buClr>
+              <a:buSzPts val="3000"/>
+              <a:buFont typeface="Raleway"/>
+              <a:buNone/>
+              <a:defRPr sz="3000" b="1" i="0" u="none" strike="noStrike" cap="none">
+                <a:solidFill>
+                  <a:schemeClr val="dk2"/>
+                </a:solidFill>
+                <a:latin typeface="Raleway"/>
+                <a:ea typeface="Raleway"/>
+                <a:cs typeface="Raleway"/>
+                <a:sym typeface="Raleway"/>
+              </a:defRPr>
+            </a:lvl3pPr>
+            <a:lvl4pPr marR="0" lvl="3" algn="l" rtl="0">
+              <a:lnSpc>
+                <a:spcPct val="100000"/>
+              </a:lnSpc>
+              <a:spcBef>
+                <a:spcPts val="0"/>
+              </a:spcBef>
+              <a:spcAft>
+                <a:spcPts val="0"/>
+              </a:spcAft>
+              <a:buClr>
+                <a:schemeClr val="dk2"/>
+              </a:buClr>
+              <a:buSzPts val="3000"/>
+              <a:buFont typeface="Raleway"/>
+              <a:buNone/>
+              <a:defRPr sz="3000" b="1" i="0" u="none" strike="noStrike" cap="none">
+                <a:solidFill>
+                  <a:schemeClr val="dk2"/>
+                </a:solidFill>
+                <a:latin typeface="Raleway"/>
+                <a:ea typeface="Raleway"/>
+                <a:cs typeface="Raleway"/>
+                <a:sym typeface="Raleway"/>
+              </a:defRPr>
+            </a:lvl4pPr>
+            <a:lvl5pPr marR="0" lvl="4" algn="l" rtl="0">
+              <a:lnSpc>
+                <a:spcPct val="100000"/>
+              </a:lnSpc>
+              <a:spcBef>
+                <a:spcPts val="0"/>
+              </a:spcBef>
+              <a:spcAft>
+                <a:spcPts val="0"/>
+              </a:spcAft>
+              <a:buClr>
+                <a:schemeClr val="dk2"/>
+              </a:buClr>
+              <a:buSzPts val="3000"/>
+              <a:buFont typeface="Raleway"/>
+              <a:buNone/>
+              <a:defRPr sz="3000" b="1" i="0" u="none" strike="noStrike" cap="none">
+                <a:solidFill>
+                  <a:schemeClr val="dk2"/>
+                </a:solidFill>
+                <a:latin typeface="Raleway"/>
+                <a:ea typeface="Raleway"/>
+                <a:cs typeface="Raleway"/>
+                <a:sym typeface="Raleway"/>
+              </a:defRPr>
+            </a:lvl5pPr>
+            <a:lvl6pPr marR="0" lvl="5" algn="l" rtl="0">
+              <a:lnSpc>
+                <a:spcPct val="100000"/>
+              </a:lnSpc>
+              <a:spcBef>
+                <a:spcPts val="0"/>
+              </a:spcBef>
+              <a:spcAft>
+                <a:spcPts val="0"/>
+              </a:spcAft>
+              <a:buClr>
+                <a:schemeClr val="dk2"/>
+              </a:buClr>
+              <a:buSzPts val="3000"/>
+              <a:buFont typeface="Raleway"/>
+              <a:buNone/>
+              <a:defRPr sz="3000" b="1" i="0" u="none" strike="noStrike" cap="none">
+                <a:solidFill>
+                  <a:schemeClr val="dk2"/>
+                </a:solidFill>
+                <a:latin typeface="Raleway"/>
+                <a:ea typeface="Raleway"/>
+                <a:cs typeface="Raleway"/>
+                <a:sym typeface="Raleway"/>
+              </a:defRPr>
+            </a:lvl6pPr>
+            <a:lvl7pPr marR="0" lvl="6" algn="l" rtl="0">
+              <a:lnSpc>
+                <a:spcPct val="100000"/>
+              </a:lnSpc>
+              <a:spcBef>
+                <a:spcPts val="0"/>
+              </a:spcBef>
+              <a:spcAft>
+                <a:spcPts val="0"/>
+              </a:spcAft>
+              <a:buClr>
+                <a:schemeClr val="dk2"/>
+              </a:buClr>
+              <a:buSzPts val="3000"/>
+              <a:buFont typeface="Raleway"/>
+              <a:buNone/>
+              <a:defRPr sz="3000" b="1" i="0" u="none" strike="noStrike" cap="none">
+                <a:solidFill>
+                  <a:schemeClr val="dk2"/>
+                </a:solidFill>
+                <a:latin typeface="Raleway"/>
+                <a:ea typeface="Raleway"/>
+                <a:cs typeface="Raleway"/>
+                <a:sym typeface="Raleway"/>
+              </a:defRPr>
+            </a:lvl7pPr>
+            <a:lvl8pPr marR="0" lvl="7" algn="l" rtl="0">
+              <a:lnSpc>
+                <a:spcPct val="100000"/>
+              </a:lnSpc>
+              <a:spcBef>
+                <a:spcPts val="0"/>
+              </a:spcBef>
+              <a:spcAft>
+                <a:spcPts val="0"/>
+              </a:spcAft>
+              <a:buClr>
+                <a:schemeClr val="dk2"/>
+              </a:buClr>
+              <a:buSzPts val="3000"/>
+              <a:buFont typeface="Raleway"/>
+              <a:buNone/>
+              <a:defRPr sz="3000" b="1" i="0" u="none" strike="noStrike" cap="none">
+                <a:solidFill>
+                  <a:schemeClr val="dk2"/>
+                </a:solidFill>
+                <a:latin typeface="Raleway"/>
+                <a:ea typeface="Raleway"/>
+                <a:cs typeface="Raleway"/>
+                <a:sym typeface="Raleway"/>
+              </a:defRPr>
+            </a:lvl8pPr>
+            <a:lvl9pPr marR="0" lvl="8" algn="l" rtl="0">
+              <a:lnSpc>
+                <a:spcPct val="100000"/>
+              </a:lnSpc>
+              <a:spcBef>
+                <a:spcPts val="0"/>
+              </a:spcBef>
+              <a:spcAft>
+                <a:spcPts val="0"/>
+              </a:spcAft>
+              <a:buClr>
+                <a:schemeClr val="dk2"/>
+              </a:buClr>
+              <a:buSzPts val="3000"/>
+              <a:buFont typeface="Raleway"/>
+              <a:buNone/>
+              <a:defRPr sz="3000" b="1" i="0" u="none" strike="noStrike" cap="none">
+                <a:solidFill>
+                  <a:schemeClr val="dk2"/>
+                </a:solidFill>
+                <a:latin typeface="Raleway"/>
+                <a:ea typeface="Raleway"/>
+                <a:cs typeface="Raleway"/>
+                <a:sym typeface="Raleway"/>
+              </a:defRPr>
+            </a:lvl9pPr>
+          </a:lstStyle>
+          <a:p>
+            <a:pPr lvl="0" algn="ctr" defTabSz="914400">
+              <a:buClr>
+                <a:srgbClr val="000000"/>
+              </a:buClr>
+              <a:defRPr/>
+            </a:pPr>
+            <a:r>
+              <a:rPr lang="en-US" kern="0" dirty="0">
+                <a:solidFill>
+                  <a:schemeClr val="bg1"/>
+                </a:solidFill>
+              </a:rPr>
               <a:t>Dashboard Page </a:t>
             </a:r>
             <a:endParaRPr kumimoji="0" lang="en-US" sz="3000" b="1" i="0" u="none" strike="noStrike" kern="0" cap="none" spc="0" normalizeH="0" baseline="0" noProof="0" dirty="0">
@@ -10813,7 +14076,7 @@
 </p:sld>
 </file>
 
-<file path=ppt/slides/slide7.xml><?xml version="1.0" encoding="utf-8"?>
+<file path=ppt/slides/slide8.xml><?xml version="1.0" encoding="utf-8"?>
 <p:sld xmlns:a="http://schemas.openxmlformats.org/drawingml/2006/main" xmlns:r="http://schemas.openxmlformats.org/officeDocument/2006/relationships" xmlns:p="http://schemas.openxmlformats.org/presentationml/2006/main">
   <p:cSld>
     <p:spTree>
@@ -10911,113 +14174,6 @@
     <p:extLst>
       <p:ext uri="{BB962C8B-B14F-4D97-AF65-F5344CB8AC3E}">
         <p14:creationId xmlns:p14="http://schemas.microsoft.com/office/powerpoint/2010/main" val="3708079205"/>
-      </p:ext>
-    </p:extLst>
-  </p:cSld>
-  <p:clrMapOvr>
-    <a:masterClrMapping/>
-  </p:clrMapOvr>
-</p:sld>
-</file>
-
-<file path=ppt/slides/slide8.xml><?xml version="1.0" encoding="utf-8"?>
-<p:sld xmlns:a="http://schemas.openxmlformats.org/drawingml/2006/main" xmlns:r="http://schemas.openxmlformats.org/officeDocument/2006/relationships" xmlns:p="http://schemas.openxmlformats.org/presentationml/2006/main">
-  <p:cSld>
-    <p:spTree>
-      <p:nvGrpSpPr>
-        <p:cNvPr id="1" name=""/>
-        <p:cNvGrpSpPr/>
-        <p:nvPr/>
-      </p:nvGrpSpPr>
-      <p:grpSpPr>
-        <a:xfrm>
-          <a:off x="0" y="0"/>
-          <a:ext cx="0" cy="0"/>
-          <a:chOff x="0" y="0"/>
-          <a:chExt cx="0" cy="0"/>
-        </a:xfrm>
-      </p:grpSpPr>
-      <p:sp>
-        <p:nvSpPr>
-          <p:cNvPr id="5" name="Google Shape;76;p16">
-            <a:extLst>
-              <a:ext uri="{FF2B5EF4-FFF2-40B4-BE49-F238E27FC236}">
-                <a16:creationId xmlns:a16="http://schemas.microsoft.com/office/drawing/2014/main" id="{9B5DBD41-B712-9745-91A3-A7806F9F3569}"/>
-              </a:ext>
-            </a:extLst>
-          </p:cNvPr>
-          <p:cNvSpPr txBox="1">
-            <a:spLocks noGrp="1"/>
-          </p:cNvSpPr>
-          <p:nvPr>
-            <p:ph type="title"/>
-          </p:nvPr>
-        </p:nvSpPr>
-        <p:spPr>
-          <a:xfrm>
-            <a:off x="445306" y="137493"/>
-            <a:ext cx="8520600" cy="623400"/>
-          </a:xfrm>
-          <a:prstGeom prst="rect">
-            <a:avLst/>
-          </a:prstGeom>
-        </p:spPr>
-        <p:txBody>
-          <a:bodyPr spcFirstLastPara="1" wrap="square" lIns="91425" tIns="91425" rIns="91425" bIns="91425" anchor="t" anchorCtr="0">
-            <a:noAutofit/>
-          </a:bodyPr>
-          <a:lstStyle/>
-          <a:p>
-            <a:pPr marL="0" lvl="0" indent="0" algn="ctr" rtl="0">
-              <a:spcBef>
-                <a:spcPts val="0"/>
-              </a:spcBef>
-              <a:spcAft>
-                <a:spcPts val="0"/>
-              </a:spcAft>
-              <a:buNone/>
-            </a:pPr>
-            <a:r>
-              <a:rPr lang="en-US" sz="2800" b="1" dirty="0"/>
-              <a:t>Visual 2</a:t>
-            </a:r>
-            <a:endParaRPr sz="2800" b="1" dirty="0"/>
-          </a:p>
-        </p:txBody>
-      </p:sp>
-      <p:pic>
-        <p:nvPicPr>
-          <p:cNvPr id="4" name="Picture 3">
-            <a:extLst>
-              <a:ext uri="{FF2B5EF4-FFF2-40B4-BE49-F238E27FC236}">
-                <a16:creationId xmlns:a16="http://schemas.microsoft.com/office/drawing/2014/main" id="{64DFF43A-29CA-48FE-95F8-59AC1487E164}"/>
-              </a:ext>
-            </a:extLst>
-          </p:cNvPr>
-          <p:cNvPicPr>
-            <a:picLocks noChangeAspect="1"/>
-          </p:cNvPicPr>
-          <p:nvPr/>
-        </p:nvPicPr>
-        <p:blipFill rotWithShape="1">
-          <a:blip r:embed="rId2"/>
-          <a:srcRect b="81578"/>
-          <a:stretch/>
-        </p:blipFill>
-        <p:spPr>
-          <a:xfrm>
-            <a:off x="101600" y="6531054"/>
-            <a:ext cx="3549904" cy="331028"/>
-          </a:xfrm>
-          <a:prstGeom prst="rect">
-            <a:avLst/>
-          </a:prstGeom>
-        </p:spPr>
-      </p:pic>
-    </p:spTree>
-    <p:extLst>
-      <p:ext uri="{BB962C8B-B14F-4D97-AF65-F5344CB8AC3E}">
-        <p14:creationId xmlns:p14="http://schemas.microsoft.com/office/powerpoint/2010/main" val="3350615997"/>
       </p:ext>
     </p:extLst>
   </p:cSld>
@@ -11086,7 +14242,7 @@
             </a:pPr>
             <a:r>
               <a:rPr lang="en-US" sz="2800" b="1" dirty="0"/>
-              <a:t>Visual 3</a:t>
+              <a:t>Visual 2</a:t>
             </a:r>
             <a:endParaRPr sz="2800" b="1" dirty="0"/>
           </a:p>
@@ -11097,7 +14253,7 @@
           <p:cNvPr id="4" name="Picture 3">
             <a:extLst>
               <a:ext uri="{FF2B5EF4-FFF2-40B4-BE49-F238E27FC236}">
-                <a16:creationId xmlns:a16="http://schemas.microsoft.com/office/drawing/2014/main" id="{6C5048BC-21E4-4A65-AE4E-BD0E0187A6A6}"/>
+                <a16:creationId xmlns:a16="http://schemas.microsoft.com/office/drawing/2014/main" id="{64DFF43A-29CA-48FE-95F8-59AC1487E164}"/>
               </a:ext>
             </a:extLst>
           </p:cNvPr>
@@ -11124,7 +14280,7 @@
     </p:spTree>
     <p:extLst>
       <p:ext uri="{BB962C8B-B14F-4D97-AF65-F5344CB8AC3E}">
-        <p14:creationId xmlns:p14="http://schemas.microsoft.com/office/powerpoint/2010/main" val="573424532"/>
+        <p14:creationId xmlns:p14="http://schemas.microsoft.com/office/powerpoint/2010/main" val="3350615997"/>
       </p:ext>
     </p:extLst>
   </p:cSld>
